--- a/figures.pptx
+++ b/figures.pptx
@@ -104,6 +104,11 @@
       </a:defRPr>
     </a:lvl9pPr>
   </p:defaultTextStyle>
+  <p:extLst>
+    <p:ext uri="{EFAFB233-063F-42B5-8137-9DF3F51BA10A}">
+      <p15:sldGuideLst xmlns:p15="http://schemas.microsoft.com/office/powerpoint/2012/main"/>
+    </p:ext>
+  </p:extLst>
 </p:presentation>
 </file>
 
@@ -254,7 +259,7 @@
           <a:p>
             <a:fld id="{7D7AC490-4278-4F24-9FBC-8CC7712059A7}" type="datetimeFigureOut">
               <a:rPr lang="en-US" smtClean="0"/>
-              <a:t>10/8/2024</a:t>
+              <a:t>1/13/2025</a:t>
             </a:fld>
             <a:endParaRPr lang="en-US"/>
           </a:p>
@@ -452,7 +457,7 @@
           <a:p>
             <a:fld id="{7D7AC490-4278-4F24-9FBC-8CC7712059A7}" type="datetimeFigureOut">
               <a:rPr lang="en-US" smtClean="0"/>
-              <a:t>10/8/2024</a:t>
+              <a:t>1/13/2025</a:t>
             </a:fld>
             <a:endParaRPr lang="en-US"/>
           </a:p>
@@ -660,7 +665,7 @@
           <a:p>
             <a:fld id="{7D7AC490-4278-4F24-9FBC-8CC7712059A7}" type="datetimeFigureOut">
               <a:rPr lang="en-US" smtClean="0"/>
-              <a:t>10/8/2024</a:t>
+              <a:t>1/13/2025</a:t>
             </a:fld>
             <a:endParaRPr lang="en-US"/>
           </a:p>
@@ -858,7 +863,7 @@
           <a:p>
             <a:fld id="{7D7AC490-4278-4F24-9FBC-8CC7712059A7}" type="datetimeFigureOut">
               <a:rPr lang="en-US" smtClean="0"/>
-              <a:t>10/8/2024</a:t>
+              <a:t>1/13/2025</a:t>
             </a:fld>
             <a:endParaRPr lang="en-US"/>
           </a:p>
@@ -1133,7 +1138,7 @@
           <a:p>
             <a:fld id="{7D7AC490-4278-4F24-9FBC-8CC7712059A7}" type="datetimeFigureOut">
               <a:rPr lang="en-US" smtClean="0"/>
-              <a:t>10/8/2024</a:t>
+              <a:t>1/13/2025</a:t>
             </a:fld>
             <a:endParaRPr lang="en-US"/>
           </a:p>
@@ -1398,7 +1403,7 @@
           <a:p>
             <a:fld id="{7D7AC490-4278-4F24-9FBC-8CC7712059A7}" type="datetimeFigureOut">
               <a:rPr lang="en-US" smtClean="0"/>
-              <a:t>10/8/2024</a:t>
+              <a:t>1/13/2025</a:t>
             </a:fld>
             <a:endParaRPr lang="en-US"/>
           </a:p>
@@ -1810,7 +1815,7 @@
           <a:p>
             <a:fld id="{7D7AC490-4278-4F24-9FBC-8CC7712059A7}" type="datetimeFigureOut">
               <a:rPr lang="en-US" smtClean="0"/>
-              <a:t>10/8/2024</a:t>
+              <a:t>1/13/2025</a:t>
             </a:fld>
             <a:endParaRPr lang="en-US"/>
           </a:p>
@@ -1951,7 +1956,7 @@
           <a:p>
             <a:fld id="{7D7AC490-4278-4F24-9FBC-8CC7712059A7}" type="datetimeFigureOut">
               <a:rPr lang="en-US" smtClean="0"/>
-              <a:t>10/8/2024</a:t>
+              <a:t>1/13/2025</a:t>
             </a:fld>
             <a:endParaRPr lang="en-US"/>
           </a:p>
@@ -2064,7 +2069,7 @@
           <a:p>
             <a:fld id="{7D7AC490-4278-4F24-9FBC-8CC7712059A7}" type="datetimeFigureOut">
               <a:rPr lang="en-US" smtClean="0"/>
-              <a:t>10/8/2024</a:t>
+              <a:t>1/13/2025</a:t>
             </a:fld>
             <a:endParaRPr lang="en-US"/>
           </a:p>
@@ -2375,7 +2380,7 @@
           <a:p>
             <a:fld id="{7D7AC490-4278-4F24-9FBC-8CC7712059A7}" type="datetimeFigureOut">
               <a:rPr lang="en-US" smtClean="0"/>
-              <a:t>10/8/2024</a:t>
+              <a:t>1/13/2025</a:t>
             </a:fld>
             <a:endParaRPr lang="en-US"/>
           </a:p>
@@ -2663,7 +2668,7 @@
           <a:p>
             <a:fld id="{7D7AC490-4278-4F24-9FBC-8CC7712059A7}" type="datetimeFigureOut">
               <a:rPr lang="en-US" smtClean="0"/>
-              <a:t>10/8/2024</a:t>
+              <a:t>1/13/2025</a:t>
             </a:fld>
             <a:endParaRPr lang="en-US"/>
           </a:p>
@@ -2904,7 +2909,7 @@
           <a:p>
             <a:fld id="{7D7AC490-4278-4F24-9FBC-8CC7712059A7}" type="datetimeFigureOut">
               <a:rPr lang="en-US" smtClean="0"/>
-              <a:t>10/8/2024</a:t>
+              <a:t>1/13/2025</a:t>
             </a:fld>
             <a:endParaRPr lang="en-US"/>
           </a:p>
@@ -3321,81 +3326,62 @@
           <a:chExt cx="0" cy="0"/>
         </a:xfrm>
       </p:grpSpPr>
-      <p:grpSp>
-        <p:nvGrpSpPr>
-          <p:cNvPr id="13" name="Group 12">
-            <a:extLst>
-              <a:ext uri="{FF2B5EF4-FFF2-40B4-BE49-F238E27FC236}">
-                <a16:creationId xmlns:a16="http://schemas.microsoft.com/office/drawing/2014/main" id="{DC9D7930-F98D-4BCC-73C8-67C0ADE10D32}"/>
-              </a:ext>
-            </a:extLst>
-          </p:cNvPr>
-          <p:cNvGrpSpPr/>
-          <p:nvPr/>
-        </p:nvGrpSpPr>
-        <p:grpSpPr>
-          <a:xfrm>
-            <a:off x="2005594" y="1455088"/>
-            <a:ext cx="6094428" cy="3485811"/>
-            <a:chOff x="3047215" y="2178657"/>
-            <a:chExt cx="6094428" cy="3485811"/>
-          </a:xfrm>
-        </p:grpSpPr>
-        <mc:AlternateContent xmlns:mc="http://schemas.openxmlformats.org/markup-compatibility/2006">
-          <mc:Choice xmlns:a14="http://schemas.microsoft.com/office/drawing/2010/main" Requires="a14">
-            <p:sp>
-              <p:nvSpPr>
-                <p:cNvPr id="5" name="TextBox 4">
-                  <a:extLst>
-                    <a:ext uri="{FF2B5EF4-FFF2-40B4-BE49-F238E27FC236}">
-                      <a16:creationId xmlns:a16="http://schemas.microsoft.com/office/drawing/2014/main" id="{95CE781F-254C-2FF8-FC45-DC6910951281}"/>
-                    </a:ext>
-                  </a:extLst>
-                </p:cNvPr>
-                <p:cNvSpPr txBox="1"/>
-                <p:nvPr/>
-              </p:nvSpPr>
-              <p:spPr>
-                <a:xfrm>
-                  <a:off x="3047215" y="2918395"/>
-                  <a:ext cx="6094428" cy="2746073"/>
-                </a:xfrm>
-                <a:prstGeom prst="rect">
-                  <a:avLst/>
-                </a:prstGeom>
-                <a:noFill/>
-              </p:spPr>
-              <p:txBody>
-                <a:bodyPr wrap="square">
-                  <a:spAutoFit/>
-                </a:bodyPr>
-                <a:lstStyle/>
-                <a:p>
-                  <a:pPr algn="ctr" rtl="0">
-                    <a:spcBef>
-                      <a:spcPts val="0"/>
-                    </a:spcBef>
-                    <a:spcAft>
-                      <a:spcPts val="800"/>
-                    </a:spcAft>
-                  </a:pPr>
-                  <a:endParaRPr lang="it-IT" sz="3600" dirty="0">
-                    <a:solidFill>
-                      <a:srgbClr val="000000"/>
-                    </a:solidFill>
-                    <a:latin typeface="Cambria Math" panose="02040503050406030204" pitchFamily="18" charset="0"/>
-                  </a:endParaRPr>
-                </a:p>
-                <a:p>
-                  <a:pPr algn="ctr" rtl="0">
-                    <a:spcBef>
-                      <a:spcPts val="0"/>
-                    </a:spcBef>
-                    <a:spcAft>
-                      <a:spcPts val="800"/>
-                    </a:spcAft>
-                  </a:pPr>
-                  <a14:m>
+      <mc:AlternateContent xmlns:mc="http://schemas.openxmlformats.org/markup-compatibility/2006">
+        <mc:Choice xmlns:a14="http://schemas.microsoft.com/office/drawing/2010/main" Requires="a14">
+          <p:sp>
+            <p:nvSpPr>
+              <p:cNvPr id="5" name="TextBox 4">
+                <a:extLst>
+                  <a:ext uri="{FF2B5EF4-FFF2-40B4-BE49-F238E27FC236}">
+                    <a16:creationId xmlns:a16="http://schemas.microsoft.com/office/drawing/2014/main" id="{95CE781F-254C-2FF8-FC45-DC6910951281}"/>
+                  </a:ext>
+                </a:extLst>
+              </p:cNvPr>
+              <p:cNvSpPr txBox="1"/>
+              <p:nvPr/>
+            </p:nvSpPr>
+            <p:spPr>
+              <a:xfrm>
+                <a:off x="2005593" y="2194826"/>
+                <a:ext cx="7726235" cy="2996654"/>
+              </a:xfrm>
+              <a:prstGeom prst="rect">
+                <a:avLst/>
+              </a:prstGeom>
+              <a:noFill/>
+            </p:spPr>
+            <p:txBody>
+              <a:bodyPr wrap="square">
+                <a:spAutoFit/>
+              </a:bodyPr>
+              <a:lstStyle/>
+              <a:p>
+                <a:pPr algn="ctr" rtl="0">
+                  <a:spcBef>
+                    <a:spcPts val="0"/>
+                  </a:spcBef>
+                  <a:spcAft>
+                    <a:spcPts val="800"/>
+                  </a:spcAft>
+                </a:pPr>
+                <a:endParaRPr lang="it-IT" sz="3600" dirty="0">
+                  <a:solidFill>
+                    <a:srgbClr val="000000"/>
+                  </a:solidFill>
+                  <a:latin typeface="Cambria Math" panose="02040503050406030204" pitchFamily="18" charset="0"/>
+                </a:endParaRPr>
+              </a:p>
+              <a:p>
+                <a:pPr algn="ctr">
+                  <a:spcAft>
+                    <a:spcPts val="800"/>
+                  </a:spcAft>
+                </a:pPr>
+                <a14:m>
+                  <m:oMathPara xmlns:m="http://schemas.openxmlformats.org/officeDocument/2006/math">
+                    <m:oMathParaPr>
+                      <m:jc m:val="centerGroup"/>
+                    </m:oMathParaPr>
                     <m:oMath xmlns:m="http://schemas.openxmlformats.org/officeDocument/2006/math">
                       <m:r>
                         <a:rPr lang="en-US" sz="3600" b="0" i="1" smtClean="0">
@@ -3495,354 +3481,381 @@
                         </a:rPr>
                         <m:t>∗</m:t>
                       </m:r>
-                      <m:r>
-                        <a:rPr lang="en-US" sz="3600" b="0" i="1" smtClean="0">
-                          <a:effectLst/>
-                          <a:latin typeface="Cambria Math" panose="02040503050406030204" pitchFamily="18" charset="0"/>
-                        </a:rPr>
-                        <m:t>𝐻𝑆</m:t>
-                      </m:r>
+                      <m:f>
+                        <m:fPr>
+                          <m:ctrlPr>
+                            <a:rPr lang="en-US" sz="3600" i="1">
+                              <a:latin typeface="Cambria Math" panose="02040503050406030204" pitchFamily="18" charset="0"/>
+                            </a:rPr>
+                          </m:ctrlPr>
+                        </m:fPr>
+                        <m:num>
+                          <m:r>
+                            <a:rPr lang="en-US" sz="3600" b="0" i="1" smtClean="0">
+                              <a:latin typeface="Cambria Math" panose="02040503050406030204" pitchFamily="18" charset="0"/>
+                            </a:rPr>
+                            <m:t>𝐻𝑆</m:t>
+                          </m:r>
+                          <m:r>
+                            <a:rPr lang="en-US" sz="3600" i="1">
+                              <a:latin typeface="Cambria Math" panose="02040503050406030204" pitchFamily="18" charset="0"/>
+                            </a:rPr>
+                            <m:t>+</m:t>
+                          </m:r>
+                          <m:r>
+                            <a:rPr lang="en-US" sz="3600" b="0" i="1" smtClean="0">
+                              <a:latin typeface="Cambria Math" panose="02040503050406030204" pitchFamily="18" charset="0"/>
+                            </a:rPr>
+                            <m:t>𝐸𝑋𝑃</m:t>
+                          </m:r>
+                        </m:num>
+                        <m:den>
+                          <m:r>
+                            <a:rPr lang="en-US" sz="3600" i="1">
+                              <a:latin typeface="Cambria Math" panose="02040503050406030204" pitchFamily="18" charset="0"/>
+                            </a:rPr>
+                            <m:t>2</m:t>
+                          </m:r>
+                        </m:den>
+                      </m:f>
                     </m:oMath>
-                  </a14:m>
-                  <a:r>
-                    <a:rPr lang="it-IT" sz="3600" b="0" dirty="0">
-                      <a:effectLst/>
-                    </a:rPr>
-                    <a:t> </a:t>
-                  </a:r>
-                </a:p>
-                <a:p>
-                  <a:br>
-                    <a:rPr lang="it-IT" sz="3600" dirty="0"/>
-                  </a:br>
-                  <a:endParaRPr lang="en-US" sz="3600" dirty="0"/>
-                </a:p>
-              </p:txBody>
-            </p:sp>
-          </mc:Choice>
-          <mc:Fallback>
-            <p:sp>
-              <p:nvSpPr>
-                <p:cNvPr id="5" name="TextBox 4">
-                  <a:extLst>
-                    <a:ext uri="{FF2B5EF4-FFF2-40B4-BE49-F238E27FC236}">
-                      <a16:creationId xmlns:a16="http://schemas.microsoft.com/office/drawing/2014/main" id="{95CE781F-254C-2FF8-FC45-DC6910951281}"/>
-                    </a:ext>
-                  </a:extLst>
-                </p:cNvPr>
-                <p:cNvSpPr txBox="1">
-                  <a:spLocks noRot="1" noChangeAspect="1" noMove="1" noResize="1" noEditPoints="1" noAdjustHandles="1" noChangeArrowheads="1" noChangeShapeType="1" noTextEdit="1"/>
-                </p:cNvSpPr>
-                <p:nvPr/>
-              </p:nvSpPr>
-              <p:spPr>
-                <a:xfrm>
-                  <a:off x="3047215" y="2918395"/>
-                  <a:ext cx="6094428" cy="2746073"/>
-                </a:xfrm>
-                <a:prstGeom prst="rect">
-                  <a:avLst/>
-                </a:prstGeom>
-                <a:blipFill>
-                  <a:blip r:embed="rId2"/>
-                  <a:stretch>
-                    <a:fillRect/>
-                  </a:stretch>
-                </a:blipFill>
-              </p:spPr>
-              <p:txBody>
-                <a:bodyPr/>
-                <a:lstStyle/>
-                <a:p>
-                  <a:r>
-                    <a:rPr lang="en-US">
-                      <a:noFill/>
-                    </a:rPr>
-                    <a:t> </a:t>
-                  </a:r>
-                </a:p>
-              </p:txBody>
-            </p:sp>
-          </mc:Fallback>
-        </mc:AlternateContent>
-        <p:sp>
-          <p:nvSpPr>
-            <p:cNvPr id="7" name="Left Brace 6">
-              <a:extLst>
-                <a:ext uri="{FF2B5EF4-FFF2-40B4-BE49-F238E27FC236}">
-                  <a16:creationId xmlns:a16="http://schemas.microsoft.com/office/drawing/2014/main" id="{E389F9F8-5911-47FA-2175-E1E68E1DCEB6}"/>
-                </a:ext>
-              </a:extLst>
-            </p:cNvPr>
-            <p:cNvSpPr/>
-            <p:nvPr/>
-          </p:nvSpPr>
-          <p:spPr>
-            <a:xfrm rot="5400000">
-              <a:off x="4746928" y="2552635"/>
-              <a:ext cx="485030" cy="1216550"/>
-            </a:xfrm>
-            <a:prstGeom prst="leftBrace">
-              <a:avLst/>
-            </a:prstGeom>
-          </p:spPr>
-          <p:style>
-            <a:lnRef idx="2">
-              <a:schemeClr val="accent3"/>
-            </a:lnRef>
-            <a:fillRef idx="0">
-              <a:schemeClr val="accent3"/>
-            </a:fillRef>
-            <a:effectRef idx="1">
-              <a:schemeClr val="accent3"/>
-            </a:effectRef>
-            <a:fontRef idx="minor">
-              <a:schemeClr val="tx1"/>
-            </a:fontRef>
-          </p:style>
-          <p:txBody>
-            <a:bodyPr rtlCol="0" anchor="ctr"/>
-            <a:lstStyle/>
-            <a:p>
-              <a:pPr algn="ctr"/>
-              <a:endParaRPr lang="en-US">
+                  </m:oMathPara>
+                </a14:m>
+                <a:endParaRPr lang="it-IT" sz="3600" b="0" dirty="0">
+                  <a:effectLst/>
+                </a:endParaRPr>
+              </a:p>
+              <a:p>
+                <a:br>
+                  <a:rPr lang="it-IT" sz="3600" dirty="0"/>
+                </a:br>
+                <a:endParaRPr lang="en-US" sz="3600" dirty="0"/>
+              </a:p>
+            </p:txBody>
+          </p:sp>
+        </mc:Choice>
+        <mc:Fallback>
+          <p:sp>
+            <p:nvSpPr>
+              <p:cNvPr id="5" name="TextBox 4">
+                <a:extLst>
+                  <a:ext uri="{FF2B5EF4-FFF2-40B4-BE49-F238E27FC236}">
+                    <a16:creationId xmlns:a16="http://schemas.microsoft.com/office/drawing/2014/main" id="{95CE781F-254C-2FF8-FC45-DC6910951281}"/>
+                  </a:ext>
+                </a:extLst>
+              </p:cNvPr>
+              <p:cNvSpPr txBox="1">
+                <a:spLocks noRot="1" noChangeAspect="1" noMove="1" noResize="1" noEditPoints="1" noAdjustHandles="1" noChangeArrowheads="1" noChangeShapeType="1" noTextEdit="1"/>
+              </p:cNvSpPr>
+              <p:nvPr/>
+            </p:nvSpPr>
+            <p:spPr>
+              <a:xfrm>
+                <a:off x="2005593" y="2194826"/>
+                <a:ext cx="7726235" cy="2996654"/>
+              </a:xfrm>
+              <a:prstGeom prst="rect">
+                <a:avLst/>
+              </a:prstGeom>
+              <a:blipFill>
+                <a:blip r:embed="rId2"/>
+                <a:stretch>
+                  <a:fillRect/>
+                </a:stretch>
+              </a:blipFill>
+            </p:spPr>
+            <p:txBody>
+              <a:bodyPr/>
+              <a:lstStyle/>
+              <a:p>
+                <a:r>
+                  <a:rPr lang="en-US">
+                    <a:noFill/>
+                  </a:rPr>
+                  <a:t> </a:t>
+                </a:r>
+              </a:p>
+            </p:txBody>
+          </p:sp>
+        </mc:Fallback>
+      </mc:AlternateContent>
+      <p:sp>
+        <p:nvSpPr>
+          <p:cNvPr id="7" name="Left Brace 6">
+            <a:extLst>
+              <a:ext uri="{FF2B5EF4-FFF2-40B4-BE49-F238E27FC236}">
+                <a16:creationId xmlns:a16="http://schemas.microsoft.com/office/drawing/2014/main" id="{E389F9F8-5911-47FA-2175-E1E68E1DCEB6}"/>
+              </a:ext>
+            </a:extLst>
+          </p:cNvPr>
+          <p:cNvSpPr/>
+          <p:nvPr/>
+        </p:nvSpPr>
+        <p:spPr>
+          <a:xfrm rot="5400000">
+            <a:off x="4061603" y="1636059"/>
+            <a:ext cx="485030" cy="1602563"/>
+          </a:xfrm>
+          <a:prstGeom prst="leftBrace">
+            <a:avLst/>
+          </a:prstGeom>
+        </p:spPr>
+        <p:style>
+          <a:lnRef idx="2">
+            <a:schemeClr val="accent3"/>
+          </a:lnRef>
+          <a:fillRef idx="0">
+            <a:schemeClr val="accent3"/>
+          </a:fillRef>
+          <a:effectRef idx="1">
+            <a:schemeClr val="accent3"/>
+          </a:effectRef>
+          <a:fontRef idx="minor">
+            <a:schemeClr val="tx1"/>
+          </a:fontRef>
+        </p:style>
+        <p:txBody>
+          <a:bodyPr rtlCol="0" anchor="ctr"/>
+          <a:lstStyle/>
+          <a:p>
+            <a:pPr algn="ctr"/>
+            <a:endParaRPr lang="en-US">
+              <a:solidFill>
+                <a:schemeClr val="accent6">
+                  <a:lumMod val="50000"/>
+                </a:schemeClr>
+              </a:solidFill>
+            </a:endParaRPr>
+          </a:p>
+        </p:txBody>
+      </p:sp>
+      <p:sp>
+        <p:nvSpPr>
+          <p:cNvPr id="8" name="Left Brace 7">
+            <a:extLst>
+              <a:ext uri="{FF2B5EF4-FFF2-40B4-BE49-F238E27FC236}">
+                <a16:creationId xmlns:a16="http://schemas.microsoft.com/office/drawing/2014/main" id="{DDD2DAE8-869B-DECB-CBA4-7A7E3B56986A}"/>
+              </a:ext>
+            </a:extLst>
+          </p:cNvPr>
+          <p:cNvSpPr/>
+          <p:nvPr/>
+        </p:nvSpPr>
+        <p:spPr>
+          <a:xfrm rot="5400000">
+            <a:off x="6126505" y="1829066"/>
+            <a:ext cx="485030" cy="1216550"/>
+          </a:xfrm>
+          <a:prstGeom prst="leftBrace">
+            <a:avLst/>
+          </a:prstGeom>
+        </p:spPr>
+        <p:style>
+          <a:lnRef idx="2">
+            <a:schemeClr val="accent1"/>
+          </a:lnRef>
+          <a:fillRef idx="0">
+            <a:schemeClr val="accent1"/>
+          </a:fillRef>
+          <a:effectRef idx="1">
+            <a:schemeClr val="accent1"/>
+          </a:effectRef>
+          <a:fontRef idx="minor">
+            <a:schemeClr val="tx1"/>
+          </a:fontRef>
+        </p:style>
+        <p:txBody>
+          <a:bodyPr rtlCol="0" anchor="ctr"/>
+          <a:lstStyle/>
+          <a:p>
+            <a:pPr algn="ctr"/>
+            <a:endParaRPr lang="en-US"/>
+          </a:p>
+        </p:txBody>
+      </p:sp>
+      <p:sp>
+        <p:nvSpPr>
+          <p:cNvPr id="9" name="Left Brace 8">
+            <a:extLst>
+              <a:ext uri="{FF2B5EF4-FFF2-40B4-BE49-F238E27FC236}">
+                <a16:creationId xmlns:a16="http://schemas.microsoft.com/office/drawing/2014/main" id="{DD2C2CA8-4C01-E3A1-0CF1-76A3AF70BB1C}"/>
+              </a:ext>
+            </a:extLst>
+          </p:cNvPr>
+          <p:cNvSpPr/>
+          <p:nvPr/>
+        </p:nvSpPr>
+        <p:spPr>
+          <a:xfrm rot="5400000">
+            <a:off x="8186332" y="1328331"/>
+            <a:ext cx="602804" cy="2335792"/>
+          </a:xfrm>
+          <a:prstGeom prst="leftBrace">
+            <a:avLst/>
+          </a:prstGeom>
+        </p:spPr>
+        <p:style>
+          <a:lnRef idx="2">
+            <a:schemeClr val="accent5"/>
+          </a:lnRef>
+          <a:fillRef idx="0">
+            <a:schemeClr val="accent5"/>
+          </a:fillRef>
+          <a:effectRef idx="1">
+            <a:schemeClr val="accent5"/>
+          </a:effectRef>
+          <a:fontRef idx="minor">
+            <a:schemeClr val="tx1"/>
+          </a:fontRef>
+        </p:style>
+        <p:txBody>
+          <a:bodyPr rtlCol="0" anchor="ctr"/>
+          <a:lstStyle/>
+          <a:p>
+            <a:pPr algn="ctr"/>
+            <a:endParaRPr lang="en-US"/>
+          </a:p>
+        </p:txBody>
+      </p:sp>
+      <p:sp>
+        <p:nvSpPr>
+          <p:cNvPr id="10" name="TextBox 9">
+            <a:extLst>
+              <a:ext uri="{FF2B5EF4-FFF2-40B4-BE49-F238E27FC236}">
+                <a16:creationId xmlns:a16="http://schemas.microsoft.com/office/drawing/2014/main" id="{CDC4D69C-F27F-BBCB-59ED-A2CA6525F54B}"/>
+              </a:ext>
+            </a:extLst>
+          </p:cNvPr>
+          <p:cNvSpPr txBox="1"/>
+          <p:nvPr/>
+        </p:nvSpPr>
+        <p:spPr>
+          <a:xfrm>
+            <a:off x="3718208" y="1451490"/>
+            <a:ext cx="1057662" cy="646331"/>
+          </a:xfrm>
+          <a:prstGeom prst="rect">
+            <a:avLst/>
+          </a:prstGeom>
+          <a:noFill/>
+        </p:spPr>
+        <p:txBody>
+          <a:bodyPr wrap="none" rtlCol="0">
+            <a:spAutoFit/>
+          </a:bodyPr>
+          <a:lstStyle/>
+          <a:p>
+            <a:pPr algn="ctr"/>
+            <a:r>
+              <a:rPr lang="en-US" dirty="0">
                 <a:solidFill>
                   <a:schemeClr val="accent6">
                     <a:lumMod val="50000"/>
                   </a:schemeClr>
                 </a:solidFill>
-              </a:endParaRPr>
-            </a:p>
-          </p:txBody>
-        </p:sp>
-        <p:sp>
-          <p:nvSpPr>
-            <p:cNvPr id="8" name="Left Brace 7">
-              <a:extLst>
-                <a:ext uri="{FF2B5EF4-FFF2-40B4-BE49-F238E27FC236}">
-                  <a16:creationId xmlns:a16="http://schemas.microsoft.com/office/drawing/2014/main" id="{DDD2DAE8-869B-DECB-CBA4-7A7E3B56986A}"/>
-                </a:ext>
-              </a:extLst>
-            </p:cNvPr>
-            <p:cNvSpPr/>
-            <p:nvPr/>
-          </p:nvSpPr>
-          <p:spPr>
-            <a:xfrm rot="5400000">
-              <a:off x="6689156" y="2552635"/>
-              <a:ext cx="485030" cy="1216550"/>
-            </a:xfrm>
-            <a:prstGeom prst="leftBrace">
-              <a:avLst/>
-            </a:prstGeom>
-          </p:spPr>
-          <p:style>
-            <a:lnRef idx="2">
-              <a:schemeClr val="accent1"/>
-            </a:lnRef>
-            <a:fillRef idx="0">
-              <a:schemeClr val="accent1"/>
-            </a:fillRef>
-            <a:effectRef idx="1">
-              <a:schemeClr val="accent1"/>
-            </a:effectRef>
-            <a:fontRef idx="minor">
-              <a:schemeClr val="tx1"/>
-            </a:fontRef>
-          </p:style>
-          <p:txBody>
-            <a:bodyPr rtlCol="0" anchor="ctr"/>
-            <a:lstStyle/>
-            <a:p>
-              <a:pPr algn="ctr"/>
-              <a:endParaRPr lang="en-US"/>
-            </a:p>
-          </p:txBody>
-        </p:sp>
-        <p:sp>
-          <p:nvSpPr>
-            <p:cNvPr id="9" name="Left Brace 8">
-              <a:extLst>
-                <a:ext uri="{FF2B5EF4-FFF2-40B4-BE49-F238E27FC236}">
-                  <a16:creationId xmlns:a16="http://schemas.microsoft.com/office/drawing/2014/main" id="{DD2C2CA8-4C01-E3A1-0CF1-76A3AF70BB1C}"/>
-                </a:ext>
-              </a:extLst>
-            </p:cNvPr>
-            <p:cNvSpPr/>
-            <p:nvPr/>
-          </p:nvSpPr>
-          <p:spPr>
-            <a:xfrm rot="5400000">
-              <a:off x="8348869" y="2854784"/>
-              <a:ext cx="485030" cy="612251"/>
-            </a:xfrm>
-            <a:prstGeom prst="leftBrace">
-              <a:avLst/>
-            </a:prstGeom>
-          </p:spPr>
-          <p:style>
-            <a:lnRef idx="2">
-              <a:schemeClr val="accent5"/>
-            </a:lnRef>
-            <a:fillRef idx="0">
-              <a:schemeClr val="accent5"/>
-            </a:fillRef>
-            <a:effectRef idx="1">
-              <a:schemeClr val="accent5"/>
-            </a:effectRef>
-            <a:fontRef idx="minor">
-              <a:schemeClr val="tx1"/>
-            </a:fontRef>
-          </p:style>
-          <p:txBody>
-            <a:bodyPr rtlCol="0" anchor="ctr"/>
-            <a:lstStyle/>
-            <a:p>
-              <a:pPr algn="ctr"/>
-              <a:endParaRPr lang="en-US"/>
-            </a:p>
-          </p:txBody>
-        </p:sp>
-        <p:sp>
-          <p:nvSpPr>
-            <p:cNvPr id="10" name="TextBox 9">
-              <a:extLst>
-                <a:ext uri="{FF2B5EF4-FFF2-40B4-BE49-F238E27FC236}">
-                  <a16:creationId xmlns:a16="http://schemas.microsoft.com/office/drawing/2014/main" id="{CDC4D69C-F27F-BBCB-59ED-A2CA6525F54B}"/>
-                </a:ext>
-              </a:extLst>
-            </p:cNvPr>
-            <p:cNvSpPr txBox="1"/>
-            <p:nvPr/>
-          </p:nvSpPr>
-          <p:spPr>
-            <a:xfrm>
-              <a:off x="4381168" y="2178658"/>
-              <a:ext cx="1057662" cy="646331"/>
-            </a:xfrm>
-            <a:prstGeom prst="rect">
-              <a:avLst/>
-            </a:prstGeom>
-            <a:noFill/>
-          </p:spPr>
-          <p:txBody>
-            <a:bodyPr wrap="none" rtlCol="0">
-              <a:spAutoFit/>
-            </a:bodyPr>
-            <a:lstStyle/>
-            <a:p>
-              <a:pPr algn="ctr"/>
-              <a:r>
-                <a:rPr lang="en-US" dirty="0">
-                  <a:solidFill>
-                    <a:schemeClr val="accent6">
-                      <a:lumMod val="50000"/>
-                    </a:schemeClr>
-                  </a:solidFill>
-                </a:rPr>
-                <a:t>Adaptive</a:t>
-              </a:r>
-            </a:p>
-            <a:p>
-              <a:pPr algn="ctr"/>
-              <a:r>
-                <a:rPr lang="en-US" dirty="0">
-                  <a:solidFill>
-                    <a:schemeClr val="accent6">
-                      <a:lumMod val="50000"/>
-                    </a:schemeClr>
-                  </a:solidFill>
-                </a:rPr>
-                <a:t>capacity</a:t>
-              </a:r>
-            </a:p>
-          </p:txBody>
-        </p:sp>
-        <p:sp>
-          <p:nvSpPr>
-            <p:cNvPr id="11" name="TextBox 10">
-              <a:extLst>
-                <a:ext uri="{FF2B5EF4-FFF2-40B4-BE49-F238E27FC236}">
-                  <a16:creationId xmlns:a16="http://schemas.microsoft.com/office/drawing/2014/main" id="{A4017EC9-B9AC-A9D7-D3AE-E5762C96503B}"/>
-                </a:ext>
-              </a:extLst>
-            </p:cNvPr>
-            <p:cNvSpPr txBox="1"/>
-            <p:nvPr/>
-          </p:nvSpPr>
-          <p:spPr>
-            <a:xfrm>
-              <a:off x="6322370" y="2178657"/>
-              <a:ext cx="1218603" cy="369332"/>
-            </a:xfrm>
-            <a:prstGeom prst="rect">
-              <a:avLst/>
-            </a:prstGeom>
-            <a:noFill/>
-          </p:spPr>
-          <p:txBody>
-            <a:bodyPr wrap="none" rtlCol="0">
-              <a:spAutoFit/>
-            </a:bodyPr>
-            <a:lstStyle/>
-            <a:p>
-              <a:pPr algn="ctr"/>
-              <a:r>
-                <a:rPr lang="en-US" dirty="0">
-                  <a:solidFill>
-                    <a:schemeClr val="accent4">
-                      <a:lumMod val="50000"/>
-                    </a:schemeClr>
-                  </a:solidFill>
-                </a:rPr>
-                <a:t>Resilience</a:t>
-              </a:r>
-            </a:p>
-          </p:txBody>
-        </p:sp>
-        <p:sp>
-          <p:nvSpPr>
-            <p:cNvPr id="12" name="TextBox 11">
-              <a:extLst>
-                <a:ext uri="{FF2B5EF4-FFF2-40B4-BE49-F238E27FC236}">
-                  <a16:creationId xmlns:a16="http://schemas.microsoft.com/office/drawing/2014/main" id="{314EFD30-AB54-C636-91D9-55A1B47205EF}"/>
-                </a:ext>
-              </a:extLst>
-            </p:cNvPr>
-            <p:cNvSpPr txBox="1"/>
-            <p:nvPr/>
-          </p:nvSpPr>
-          <p:spPr>
-            <a:xfrm>
-              <a:off x="8285258" y="2178657"/>
-              <a:ext cx="603050" cy="369332"/>
-            </a:xfrm>
-            <a:prstGeom prst="rect">
-              <a:avLst/>
-            </a:prstGeom>
-            <a:noFill/>
-          </p:spPr>
-          <p:txBody>
-            <a:bodyPr wrap="none" rtlCol="0">
-              <a:spAutoFit/>
-            </a:bodyPr>
-            <a:lstStyle/>
-            <a:p>
-              <a:pPr algn="ctr"/>
-              <a:r>
-                <a:rPr lang="en-US" dirty="0">
-                  <a:solidFill>
-                    <a:schemeClr val="accent5">
-                      <a:lumMod val="75000"/>
-                    </a:schemeClr>
-                  </a:solidFill>
-                </a:rPr>
-                <a:t>Risk</a:t>
-              </a:r>
-            </a:p>
-          </p:txBody>
-        </p:sp>
-      </p:grpSp>
+              </a:rPr>
+              <a:t>Adaptive</a:t>
+            </a:r>
+          </a:p>
+          <a:p>
+            <a:pPr algn="ctr"/>
+            <a:r>
+              <a:rPr lang="en-US" dirty="0">
+                <a:solidFill>
+                  <a:schemeClr val="accent6">
+                    <a:lumMod val="50000"/>
+                  </a:schemeClr>
+                </a:solidFill>
+              </a:rPr>
+              <a:t>capacity</a:t>
+            </a:r>
+          </a:p>
+        </p:txBody>
+      </p:sp>
+      <p:sp>
+        <p:nvSpPr>
+          <p:cNvPr id="11" name="TextBox 10">
+            <a:extLst>
+              <a:ext uri="{FF2B5EF4-FFF2-40B4-BE49-F238E27FC236}">
+                <a16:creationId xmlns:a16="http://schemas.microsoft.com/office/drawing/2014/main" id="{A4017EC9-B9AC-A9D7-D3AE-E5762C96503B}"/>
+              </a:ext>
+            </a:extLst>
+          </p:cNvPr>
+          <p:cNvSpPr txBox="1"/>
+          <p:nvPr/>
+        </p:nvSpPr>
+        <p:spPr>
+          <a:xfrm>
+            <a:off x="5759718" y="1455088"/>
+            <a:ext cx="1218603" cy="369332"/>
+          </a:xfrm>
+          <a:prstGeom prst="rect">
+            <a:avLst/>
+          </a:prstGeom>
+          <a:noFill/>
+        </p:spPr>
+        <p:txBody>
+          <a:bodyPr wrap="none" rtlCol="0">
+            <a:spAutoFit/>
+          </a:bodyPr>
+          <a:lstStyle/>
+          <a:p>
+            <a:pPr algn="ctr"/>
+            <a:r>
+              <a:rPr lang="en-US" dirty="0">
+                <a:solidFill>
+                  <a:schemeClr val="accent4">
+                    <a:lumMod val="50000"/>
+                  </a:schemeClr>
+                </a:solidFill>
+              </a:rPr>
+              <a:t>Resilience</a:t>
+            </a:r>
+          </a:p>
+        </p:txBody>
+      </p:sp>
+      <p:sp>
+        <p:nvSpPr>
+          <p:cNvPr id="12" name="TextBox 11">
+            <a:extLst>
+              <a:ext uri="{FF2B5EF4-FFF2-40B4-BE49-F238E27FC236}">
+                <a16:creationId xmlns:a16="http://schemas.microsoft.com/office/drawing/2014/main" id="{314EFD30-AB54-C636-91D9-55A1B47205EF}"/>
+              </a:ext>
+            </a:extLst>
+          </p:cNvPr>
+          <p:cNvSpPr txBox="1"/>
+          <p:nvPr/>
+        </p:nvSpPr>
+        <p:spPr>
+          <a:xfrm>
+            <a:off x="8179808" y="1455088"/>
+            <a:ext cx="603050" cy="369332"/>
+          </a:xfrm>
+          <a:prstGeom prst="rect">
+            <a:avLst/>
+          </a:prstGeom>
+          <a:noFill/>
+        </p:spPr>
+        <p:txBody>
+          <a:bodyPr wrap="none" rtlCol="0">
+            <a:spAutoFit/>
+          </a:bodyPr>
+          <a:lstStyle/>
+          <a:p>
+            <a:pPr algn="ctr"/>
+            <a:r>
+              <a:rPr lang="en-US" dirty="0">
+                <a:solidFill>
+                  <a:schemeClr val="accent5">
+                    <a:lumMod val="75000"/>
+                  </a:schemeClr>
+                </a:solidFill>
+              </a:rPr>
+              <a:t>Risk</a:t>
+            </a:r>
+          </a:p>
+        </p:txBody>
+      </p:sp>
     </p:spTree>
     <p:extLst>
       <p:ext uri="{BB962C8B-B14F-4D97-AF65-F5344CB8AC3E}">

--- a/figures.pptx
+++ b/figures.pptx
@@ -112,6 +112,91 @@
 </p:presentation>
 </file>
 
+<file path=ppt/revisionInfo.xml><?xml version="1.0" encoding="utf-8"?>
+<p1510:revInfo xmlns:a="http://schemas.openxmlformats.org/drawingml/2006/main" xmlns:r="http://schemas.openxmlformats.org/officeDocument/2006/relationships" xmlns:p1510="http://schemas.microsoft.com/office/powerpoint/2015/10/main">
+  <p1510:revLst>
+    <p1510:client id="{E956B77E-BAA6-48A7-9A0C-3CBADBEFF92A}" v="5" dt="2025-01-15T15:44:21.645"/>
+  </p1510:revLst>
+</p1510:revInfo>
+</file>
+
+<file path=ppt/changesInfos/changesInfo1.xml><?xml version="1.0" encoding="utf-8"?>
+<pc:chgInfo xmlns:a="http://schemas.openxmlformats.org/drawingml/2006/main" xmlns:r="http://schemas.openxmlformats.org/officeDocument/2006/relationships" xmlns:ac="http://schemas.microsoft.com/office/drawing/2013/main/command" xmlns:pc="http://schemas.microsoft.com/office/powerpoint/2013/main/command">
+  <pc:docChgLst>
+    <pc:chgData name="Allison Binley" userId="53aff1208ed7b64f" providerId="LiveId" clId="{E956B77E-BAA6-48A7-9A0C-3CBADBEFF92A}"/>
+    <pc:docChg chg="modSld">
+      <pc:chgData name="Allison Binley" userId="53aff1208ed7b64f" providerId="LiveId" clId="{E956B77E-BAA6-48A7-9A0C-3CBADBEFF92A}" dt="2025-01-15T15:45:02.136" v="21" actId="1076"/>
+      <pc:docMkLst>
+        <pc:docMk/>
+      </pc:docMkLst>
+      <pc:sldChg chg="modSp mod">
+        <pc:chgData name="Allison Binley" userId="53aff1208ed7b64f" providerId="LiveId" clId="{E956B77E-BAA6-48A7-9A0C-3CBADBEFF92A}" dt="2025-01-15T15:45:02.136" v="21" actId="1076"/>
+        <pc:sldMkLst>
+          <pc:docMk/>
+          <pc:sldMk cId="2962613126" sldId="256"/>
+        </pc:sldMkLst>
+        <pc:spChg chg="mod">
+          <ac:chgData name="Allison Binley" userId="53aff1208ed7b64f" providerId="LiveId" clId="{E956B77E-BAA6-48A7-9A0C-3CBADBEFF92A}" dt="2025-01-15T15:44:21.645" v="4" actId="20577"/>
+          <ac:spMkLst>
+            <pc:docMk/>
+            <pc:sldMk cId="2962613126" sldId="256"/>
+            <ac:spMk id="5" creationId="{95CE781F-254C-2FF8-FC45-DC6910951281}"/>
+          </ac:spMkLst>
+        </pc:spChg>
+        <pc:spChg chg="mod">
+          <ac:chgData name="Allison Binley" userId="53aff1208ed7b64f" providerId="LiveId" clId="{E956B77E-BAA6-48A7-9A0C-3CBADBEFF92A}" dt="2025-01-15T15:44:56.967" v="20" actId="1076"/>
+          <ac:spMkLst>
+            <pc:docMk/>
+            <pc:sldMk cId="2962613126" sldId="256"/>
+            <ac:spMk id="7" creationId="{E389F9F8-5911-47FA-2175-E1E68E1DCEB6}"/>
+          </ac:spMkLst>
+        </pc:spChg>
+        <pc:spChg chg="mod">
+          <ac:chgData name="Allison Binley" userId="53aff1208ed7b64f" providerId="LiveId" clId="{E956B77E-BAA6-48A7-9A0C-3CBADBEFF92A}" dt="2025-01-15T15:44:43.242" v="18" actId="1076"/>
+          <ac:spMkLst>
+            <pc:docMk/>
+            <pc:sldMk cId="2962613126" sldId="256"/>
+            <ac:spMk id="8" creationId="{DDD2DAE8-869B-DECB-CBA4-7A7E3B56986A}"/>
+          </ac:spMkLst>
+        </pc:spChg>
+        <pc:spChg chg="mod">
+          <ac:chgData name="Allison Binley" userId="53aff1208ed7b64f" providerId="LiveId" clId="{E956B77E-BAA6-48A7-9A0C-3CBADBEFF92A}" dt="2025-01-15T15:44:30.103" v="6" actId="14100"/>
+          <ac:spMkLst>
+            <pc:docMk/>
+            <pc:sldMk cId="2962613126" sldId="256"/>
+            <ac:spMk id="9" creationId="{DD2C2CA8-4C01-E3A1-0CF1-76A3AF70BB1C}"/>
+          </ac:spMkLst>
+        </pc:spChg>
+        <pc:spChg chg="mod">
+          <ac:chgData name="Allison Binley" userId="53aff1208ed7b64f" providerId="LiveId" clId="{E956B77E-BAA6-48A7-9A0C-3CBADBEFF92A}" dt="2025-01-15T15:45:02.136" v="21" actId="1076"/>
+          <ac:spMkLst>
+            <pc:docMk/>
+            <pc:sldMk cId="2962613126" sldId="256"/>
+            <ac:spMk id="10" creationId="{CDC4D69C-F27F-BBCB-59ED-A2CA6525F54B}"/>
+          </ac:spMkLst>
+        </pc:spChg>
+        <pc:spChg chg="mod">
+          <ac:chgData name="Allison Binley" userId="53aff1208ed7b64f" providerId="LiveId" clId="{E956B77E-BAA6-48A7-9A0C-3CBADBEFF92A}" dt="2025-01-15T15:44:48.264" v="19" actId="1076"/>
+          <ac:spMkLst>
+            <pc:docMk/>
+            <pc:sldMk cId="2962613126" sldId="256"/>
+            <ac:spMk id="11" creationId="{A4017EC9-B9AC-A9D7-D3AE-E5762C96503B}"/>
+          </ac:spMkLst>
+        </pc:spChg>
+        <pc:spChg chg="mod">
+          <ac:chgData name="Allison Binley" userId="53aff1208ed7b64f" providerId="LiveId" clId="{E956B77E-BAA6-48A7-9A0C-3CBADBEFF92A}" dt="2025-01-15T15:44:35.268" v="17" actId="20577"/>
+          <ac:spMkLst>
+            <pc:docMk/>
+            <pc:sldMk cId="2962613126" sldId="256"/>
+            <ac:spMk id="12" creationId="{314EFD30-AB54-C636-91D9-55A1B47205EF}"/>
+          </ac:spMkLst>
+        </pc:spChg>
+      </pc:sldChg>
+    </pc:docChg>
+  </pc:docChgLst>
+</pc:chgInfo>
+</file>
+
 <file path=ppt/slideLayouts/slideLayout1.xml><?xml version="1.0" encoding="utf-8"?>
 <p:sldLayout xmlns:a="http://schemas.openxmlformats.org/drawingml/2006/main" xmlns:r="http://schemas.openxmlformats.org/officeDocument/2006/relationships" xmlns:p="http://schemas.openxmlformats.org/presentationml/2006/main" type="title" preserve="1">
   <p:cSld name="Title Slide">
@@ -259,7 +344,7 @@
           <a:p>
             <a:fld id="{7D7AC490-4278-4F24-9FBC-8CC7712059A7}" type="datetimeFigureOut">
               <a:rPr lang="en-US" smtClean="0"/>
-              <a:t>1/13/2025</a:t>
+              <a:t>1/15/2025</a:t>
             </a:fld>
             <a:endParaRPr lang="en-US"/>
           </a:p>
@@ -457,7 +542,7 @@
           <a:p>
             <a:fld id="{7D7AC490-4278-4F24-9FBC-8CC7712059A7}" type="datetimeFigureOut">
               <a:rPr lang="en-US" smtClean="0"/>
-              <a:t>1/13/2025</a:t>
+              <a:t>1/15/2025</a:t>
             </a:fld>
             <a:endParaRPr lang="en-US"/>
           </a:p>
@@ -665,7 +750,7 @@
           <a:p>
             <a:fld id="{7D7AC490-4278-4F24-9FBC-8CC7712059A7}" type="datetimeFigureOut">
               <a:rPr lang="en-US" smtClean="0"/>
-              <a:t>1/13/2025</a:t>
+              <a:t>1/15/2025</a:t>
             </a:fld>
             <a:endParaRPr lang="en-US"/>
           </a:p>
@@ -863,7 +948,7 @@
           <a:p>
             <a:fld id="{7D7AC490-4278-4F24-9FBC-8CC7712059A7}" type="datetimeFigureOut">
               <a:rPr lang="en-US" smtClean="0"/>
-              <a:t>1/13/2025</a:t>
+              <a:t>1/15/2025</a:t>
             </a:fld>
             <a:endParaRPr lang="en-US"/>
           </a:p>
@@ -1138,7 +1223,7 @@
           <a:p>
             <a:fld id="{7D7AC490-4278-4F24-9FBC-8CC7712059A7}" type="datetimeFigureOut">
               <a:rPr lang="en-US" smtClean="0"/>
-              <a:t>1/13/2025</a:t>
+              <a:t>1/15/2025</a:t>
             </a:fld>
             <a:endParaRPr lang="en-US"/>
           </a:p>
@@ -1403,7 +1488,7 @@
           <a:p>
             <a:fld id="{7D7AC490-4278-4F24-9FBC-8CC7712059A7}" type="datetimeFigureOut">
               <a:rPr lang="en-US" smtClean="0"/>
-              <a:t>1/13/2025</a:t>
+              <a:t>1/15/2025</a:t>
             </a:fld>
             <a:endParaRPr lang="en-US"/>
           </a:p>
@@ -1815,7 +1900,7 @@
           <a:p>
             <a:fld id="{7D7AC490-4278-4F24-9FBC-8CC7712059A7}" type="datetimeFigureOut">
               <a:rPr lang="en-US" smtClean="0"/>
-              <a:t>1/13/2025</a:t>
+              <a:t>1/15/2025</a:t>
             </a:fld>
             <a:endParaRPr lang="en-US"/>
           </a:p>
@@ -1956,7 +2041,7 @@
           <a:p>
             <a:fld id="{7D7AC490-4278-4F24-9FBC-8CC7712059A7}" type="datetimeFigureOut">
               <a:rPr lang="en-US" smtClean="0"/>
-              <a:t>1/13/2025</a:t>
+              <a:t>1/15/2025</a:t>
             </a:fld>
             <a:endParaRPr lang="en-US"/>
           </a:p>
@@ -2069,7 +2154,7 @@
           <a:p>
             <a:fld id="{7D7AC490-4278-4F24-9FBC-8CC7712059A7}" type="datetimeFigureOut">
               <a:rPr lang="en-US" smtClean="0"/>
-              <a:t>1/13/2025</a:t>
+              <a:t>1/15/2025</a:t>
             </a:fld>
             <a:endParaRPr lang="en-US"/>
           </a:p>
@@ -2380,7 +2465,7 @@
           <a:p>
             <a:fld id="{7D7AC490-4278-4F24-9FBC-8CC7712059A7}" type="datetimeFigureOut">
               <a:rPr lang="en-US" smtClean="0"/>
-              <a:t>1/13/2025</a:t>
+              <a:t>1/15/2025</a:t>
             </a:fld>
             <a:endParaRPr lang="en-US"/>
           </a:p>
@@ -2668,7 +2753,7 @@
           <a:p>
             <a:fld id="{7D7AC490-4278-4F24-9FBC-8CC7712059A7}" type="datetimeFigureOut">
               <a:rPr lang="en-US" smtClean="0"/>
-              <a:t>1/13/2025</a:t>
+              <a:t>1/15/2025</a:t>
             </a:fld>
             <a:endParaRPr lang="en-US"/>
           </a:p>
@@ -2909,7 +2994,7 @@
           <a:p>
             <a:fld id="{7D7AC490-4278-4F24-9FBC-8CC7712059A7}" type="datetimeFigureOut">
               <a:rPr lang="en-US" smtClean="0"/>
-              <a:t>1/13/2025</a:t>
+              <a:t>1/15/2025</a:t>
             </a:fld>
             <a:endParaRPr lang="en-US"/>
           </a:p>
@@ -3481,43 +3566,13 @@
                         </a:rPr>
                         <m:t>∗</m:t>
                       </m:r>
-                      <m:f>
-                        <m:fPr>
-                          <m:ctrlPr>
-                            <a:rPr lang="en-US" sz="3600" i="1">
-                              <a:latin typeface="Cambria Math" panose="02040503050406030204" pitchFamily="18" charset="0"/>
-                            </a:rPr>
-                          </m:ctrlPr>
-                        </m:fPr>
-                        <m:num>
-                          <m:r>
-                            <a:rPr lang="en-US" sz="3600" b="0" i="1" smtClean="0">
-                              <a:latin typeface="Cambria Math" panose="02040503050406030204" pitchFamily="18" charset="0"/>
-                            </a:rPr>
-                            <m:t>𝐻𝑆</m:t>
-                          </m:r>
-                          <m:r>
-                            <a:rPr lang="en-US" sz="3600" i="1">
-                              <a:latin typeface="Cambria Math" panose="02040503050406030204" pitchFamily="18" charset="0"/>
-                            </a:rPr>
-                            <m:t>+</m:t>
-                          </m:r>
-                          <m:r>
-                            <a:rPr lang="en-US" sz="3600" b="0" i="1" smtClean="0">
-                              <a:latin typeface="Cambria Math" panose="02040503050406030204" pitchFamily="18" charset="0"/>
-                            </a:rPr>
-                            <m:t>𝐸𝑋𝑃</m:t>
-                          </m:r>
-                        </m:num>
-                        <m:den>
-                          <m:r>
-                            <a:rPr lang="en-US" sz="3600" i="1">
-                              <a:latin typeface="Cambria Math" panose="02040503050406030204" pitchFamily="18" charset="0"/>
-                            </a:rPr>
-                            <m:t>2</m:t>
-                          </m:r>
-                        </m:den>
-                      </m:f>
+                      <m:r>
+                        <a:rPr lang="en-CA" sz="3600" b="0" i="1" smtClean="0">
+                          <a:effectLst/>
+                          <a:latin typeface="Cambria Math" panose="02040503050406030204" pitchFamily="18" charset="0"/>
+                        </a:rPr>
+                        <m:t>𝐻𝑆</m:t>
+                      </m:r>
                     </m:oMath>
                   </m:oMathPara>
                 </a14:m>
@@ -3569,7 +3624,7 @@
               <a:lstStyle/>
               <a:p>
                 <a:r>
-                  <a:rPr lang="en-US">
+                  <a:rPr lang="en-CA">
                     <a:noFill/>
                   </a:rPr>
                   <a:t> </a:t>
@@ -3593,7 +3648,7 @@
         </p:nvSpPr>
         <p:spPr>
           <a:xfrm rot="5400000">
-            <a:off x="4061603" y="1636059"/>
+            <a:off x="4778158" y="1641349"/>
             <a:ext cx="485030" cy="1602563"/>
           </a:xfrm>
           <a:prstGeom prst="leftBrace">
@@ -3643,7 +3698,7 @@
         </p:nvSpPr>
         <p:spPr>
           <a:xfrm rot="5400000">
-            <a:off x="6126505" y="1829066"/>
+            <a:off x="6735806" y="1829065"/>
             <a:ext cx="485030" cy="1216550"/>
           </a:xfrm>
           <a:prstGeom prst="leftBrace">
@@ -3687,8 +3742,8 @@
         </p:nvSpPr>
         <p:spPr>
           <a:xfrm rot="5400000">
-            <a:off x="8186332" y="1328331"/>
-            <a:ext cx="602804" cy="2335792"/>
+            <a:off x="8249703" y="2124930"/>
+            <a:ext cx="602804" cy="742594"/>
           </a:xfrm>
           <a:prstGeom prst="leftBrace">
             <a:avLst/>
@@ -3731,7 +3786,7 @@
         </p:nvSpPr>
         <p:spPr>
           <a:xfrm>
-            <a:off x="3718208" y="1451490"/>
+            <a:off x="4491842" y="1456026"/>
             <a:ext cx="1057662" cy="646331"/>
           </a:xfrm>
           <a:prstGeom prst="rect">
@@ -3786,7 +3841,7 @@
         </p:nvSpPr>
         <p:spPr>
           <a:xfrm>
-            <a:off x="5759718" y="1455088"/>
+            <a:off x="6367993" y="1455088"/>
             <a:ext cx="1218603" cy="369332"/>
           </a:xfrm>
           <a:prstGeom prst="rect">
@@ -3828,8 +3883,8 @@
         </p:nvSpPr>
         <p:spPr>
           <a:xfrm>
-            <a:off x="8179808" y="1455088"/>
-            <a:ext cx="603050" cy="369332"/>
+            <a:off x="7882452" y="1455088"/>
+            <a:ext cx="1197765" cy="369332"/>
           </a:xfrm>
           <a:prstGeom prst="rect">
             <a:avLst/>
@@ -3851,7 +3906,7 @@
                   </a:schemeClr>
                 </a:solidFill>
               </a:rPr>
-              <a:t>Risk</a:t>
+              <a:t>Sensitivity</a:t>
             </a:r>
           </a:p>
         </p:txBody>

--- a/figures.pptx
+++ b/figures.pptx
@@ -125,12 +125,12 @@
   <pc:docChgLst>
     <pc:chgData name="Allison Binley" userId="53aff1208ed7b64f" providerId="LiveId" clId="{E956B77E-BAA6-48A7-9A0C-3CBADBEFF92A}"/>
     <pc:docChg chg="modSld">
-      <pc:chgData name="Allison Binley" userId="53aff1208ed7b64f" providerId="LiveId" clId="{E956B77E-BAA6-48A7-9A0C-3CBADBEFF92A}" dt="2025-01-15T15:45:02.136" v="21" actId="1076"/>
+      <pc:chgData name="Allison Binley" userId="53aff1208ed7b64f" providerId="LiveId" clId="{E956B77E-BAA6-48A7-9A0C-3CBADBEFF92A}" dt="2025-02-05T19:55:29.125" v="112" actId="20577"/>
       <pc:docMkLst>
         <pc:docMk/>
       </pc:docMkLst>
       <pc:sldChg chg="modSp mod">
-        <pc:chgData name="Allison Binley" userId="53aff1208ed7b64f" providerId="LiveId" clId="{E956B77E-BAA6-48A7-9A0C-3CBADBEFF92A}" dt="2025-01-15T15:45:02.136" v="21" actId="1076"/>
+        <pc:chgData name="Allison Binley" userId="53aff1208ed7b64f" providerId="LiveId" clId="{E956B77E-BAA6-48A7-9A0C-3CBADBEFF92A}" dt="2025-02-05T19:55:29.125" v="112" actId="20577"/>
         <pc:sldMkLst>
           <pc:docMk/>
           <pc:sldMk cId="2962613126" sldId="256"/>
@@ -168,7 +168,7 @@
           </ac:spMkLst>
         </pc:spChg>
         <pc:spChg chg="mod">
-          <ac:chgData name="Allison Binley" userId="53aff1208ed7b64f" providerId="LiveId" clId="{E956B77E-BAA6-48A7-9A0C-3CBADBEFF92A}" dt="2025-01-15T15:45:02.136" v="21" actId="1076"/>
+          <ac:chgData name="Allison Binley" userId="53aff1208ed7b64f" providerId="LiveId" clId="{E956B77E-BAA6-48A7-9A0C-3CBADBEFF92A}" dt="2025-02-05T19:55:29.125" v="112" actId="20577"/>
           <ac:spMkLst>
             <pc:docMk/>
             <pc:sldMk cId="2962613126" sldId="256"/>
@@ -176,7 +176,7 @@
           </ac:spMkLst>
         </pc:spChg>
         <pc:spChg chg="mod">
-          <ac:chgData name="Allison Binley" userId="53aff1208ed7b64f" providerId="LiveId" clId="{E956B77E-BAA6-48A7-9A0C-3CBADBEFF92A}" dt="2025-01-15T15:44:48.264" v="19" actId="1076"/>
+          <ac:chgData name="Allison Binley" userId="53aff1208ed7b64f" providerId="LiveId" clId="{E956B77E-BAA6-48A7-9A0C-3CBADBEFF92A}" dt="2025-02-05T19:45:59.522" v="74" actId="20577"/>
           <ac:spMkLst>
             <pc:docMk/>
             <pc:sldMk cId="2962613126" sldId="256"/>
@@ -184,7 +184,7 @@
           </ac:spMkLst>
         </pc:spChg>
         <pc:spChg chg="mod">
-          <ac:chgData name="Allison Binley" userId="53aff1208ed7b64f" providerId="LiveId" clId="{E956B77E-BAA6-48A7-9A0C-3CBADBEFF92A}" dt="2025-01-15T15:44:35.268" v="17" actId="20577"/>
+          <ac:chgData name="Allison Binley" userId="53aff1208ed7b64f" providerId="LiveId" clId="{E956B77E-BAA6-48A7-9A0C-3CBADBEFF92A}" dt="2025-02-05T19:46:17.328" v="98" actId="20577"/>
           <ac:spMkLst>
             <pc:docMk/>
             <pc:sldMk cId="2962613126" sldId="256"/>
@@ -344,7 +344,7 @@
           <a:p>
             <a:fld id="{7D7AC490-4278-4F24-9FBC-8CC7712059A7}" type="datetimeFigureOut">
               <a:rPr lang="en-US" smtClean="0"/>
-              <a:t>1/15/2025</a:t>
+              <a:t>2/5/2025</a:t>
             </a:fld>
             <a:endParaRPr lang="en-US"/>
           </a:p>
@@ -542,7 +542,7 @@
           <a:p>
             <a:fld id="{7D7AC490-4278-4F24-9FBC-8CC7712059A7}" type="datetimeFigureOut">
               <a:rPr lang="en-US" smtClean="0"/>
-              <a:t>1/15/2025</a:t>
+              <a:t>2/5/2025</a:t>
             </a:fld>
             <a:endParaRPr lang="en-US"/>
           </a:p>
@@ -750,7 +750,7 @@
           <a:p>
             <a:fld id="{7D7AC490-4278-4F24-9FBC-8CC7712059A7}" type="datetimeFigureOut">
               <a:rPr lang="en-US" smtClean="0"/>
-              <a:t>1/15/2025</a:t>
+              <a:t>2/5/2025</a:t>
             </a:fld>
             <a:endParaRPr lang="en-US"/>
           </a:p>
@@ -948,7 +948,7 @@
           <a:p>
             <a:fld id="{7D7AC490-4278-4F24-9FBC-8CC7712059A7}" type="datetimeFigureOut">
               <a:rPr lang="en-US" smtClean="0"/>
-              <a:t>1/15/2025</a:t>
+              <a:t>2/5/2025</a:t>
             </a:fld>
             <a:endParaRPr lang="en-US"/>
           </a:p>
@@ -1223,7 +1223,7 @@
           <a:p>
             <a:fld id="{7D7AC490-4278-4F24-9FBC-8CC7712059A7}" type="datetimeFigureOut">
               <a:rPr lang="en-US" smtClean="0"/>
-              <a:t>1/15/2025</a:t>
+              <a:t>2/5/2025</a:t>
             </a:fld>
             <a:endParaRPr lang="en-US"/>
           </a:p>
@@ -1488,7 +1488,7 @@
           <a:p>
             <a:fld id="{7D7AC490-4278-4F24-9FBC-8CC7712059A7}" type="datetimeFigureOut">
               <a:rPr lang="en-US" smtClean="0"/>
-              <a:t>1/15/2025</a:t>
+              <a:t>2/5/2025</a:t>
             </a:fld>
             <a:endParaRPr lang="en-US"/>
           </a:p>
@@ -1900,7 +1900,7 @@
           <a:p>
             <a:fld id="{7D7AC490-4278-4F24-9FBC-8CC7712059A7}" type="datetimeFigureOut">
               <a:rPr lang="en-US" smtClean="0"/>
-              <a:t>1/15/2025</a:t>
+              <a:t>2/5/2025</a:t>
             </a:fld>
             <a:endParaRPr lang="en-US"/>
           </a:p>
@@ -2041,7 +2041,7 @@
           <a:p>
             <a:fld id="{7D7AC490-4278-4F24-9FBC-8CC7712059A7}" type="datetimeFigureOut">
               <a:rPr lang="en-US" smtClean="0"/>
-              <a:t>1/15/2025</a:t>
+              <a:t>2/5/2025</a:t>
             </a:fld>
             <a:endParaRPr lang="en-US"/>
           </a:p>
@@ -2154,7 +2154,7 @@
           <a:p>
             <a:fld id="{7D7AC490-4278-4F24-9FBC-8CC7712059A7}" type="datetimeFigureOut">
               <a:rPr lang="en-US" smtClean="0"/>
-              <a:t>1/15/2025</a:t>
+              <a:t>2/5/2025</a:t>
             </a:fld>
             <a:endParaRPr lang="en-US"/>
           </a:p>
@@ -2465,7 +2465,7 @@
           <a:p>
             <a:fld id="{7D7AC490-4278-4F24-9FBC-8CC7712059A7}" type="datetimeFigureOut">
               <a:rPr lang="en-US" smtClean="0"/>
-              <a:t>1/15/2025</a:t>
+              <a:t>2/5/2025</a:t>
             </a:fld>
             <a:endParaRPr lang="en-US"/>
           </a:p>
@@ -2753,7 +2753,7 @@
           <a:p>
             <a:fld id="{7D7AC490-4278-4F24-9FBC-8CC7712059A7}" type="datetimeFigureOut">
               <a:rPr lang="en-US" smtClean="0"/>
-              <a:t>1/15/2025</a:t>
+              <a:t>2/5/2025</a:t>
             </a:fld>
             <a:endParaRPr lang="en-US"/>
           </a:p>
@@ -2994,7 +2994,7 @@
           <a:p>
             <a:fld id="{7D7AC490-4278-4F24-9FBC-8CC7712059A7}" type="datetimeFigureOut">
               <a:rPr lang="en-US" smtClean="0"/>
-              <a:t>1/15/2025</a:t>
+              <a:t>2/5/2025</a:t>
             </a:fld>
             <a:endParaRPr lang="en-US"/>
           </a:p>
@@ -3411,8 +3411,8 @@
           <a:chExt cx="0" cy="0"/>
         </a:xfrm>
       </p:grpSpPr>
-      <mc:AlternateContent xmlns:mc="http://schemas.openxmlformats.org/markup-compatibility/2006">
-        <mc:Choice xmlns:a14="http://schemas.microsoft.com/office/drawing/2010/main" Requires="a14">
+      <mc:AlternateContent xmlns:mc="http://schemas.openxmlformats.org/markup-compatibility/2006" xmlns:a14="http://schemas.microsoft.com/office/drawing/2010/main">
+        <mc:Choice Requires="a14">
           <p:sp>
             <p:nvSpPr>
               <p:cNvPr id="5" name="TextBox 4">
@@ -3589,7 +3589,7 @@
             </p:txBody>
           </p:sp>
         </mc:Choice>
-        <mc:Fallback>
+        <mc:Fallback xmlns="">
           <p:sp>
             <p:nvSpPr>
               <p:cNvPr id="5" name="TextBox 4">
@@ -3786,8 +3786,8 @@
         </p:nvSpPr>
         <p:spPr>
           <a:xfrm>
-            <a:off x="4491842" y="1456026"/>
-            <a:ext cx="1057662" cy="646331"/>
+            <a:off x="4488320" y="1456026"/>
+            <a:ext cx="1064714" cy="646331"/>
           </a:xfrm>
           <a:prstGeom prst="rect">
             <a:avLst/>
@@ -3809,21 +3809,28 @@
                   </a:schemeClr>
                 </a:solidFill>
               </a:rPr>
-              <a:t>Adaptive</a:t>
+              <a:t>Collision</a:t>
             </a:r>
           </a:p>
           <a:p>
             <a:pPr algn="ctr"/>
             <a:r>
-              <a:rPr lang="en-US" dirty="0">
+              <a:rPr lang="en-US">
                 <a:solidFill>
                   <a:schemeClr val="accent6">
                     <a:lumMod val="50000"/>
                   </a:schemeClr>
                 </a:solidFill>
               </a:rPr>
-              <a:t>capacity</a:t>
-            </a:r>
+              <a:t>Risk</a:t>
+            </a:r>
+            <a:endParaRPr lang="en-US" dirty="0">
+              <a:solidFill>
+                <a:schemeClr val="accent6">
+                  <a:lumMod val="50000"/>
+                </a:schemeClr>
+              </a:solidFill>
+            </a:endParaRPr>
           </a:p>
         </p:txBody>
       </p:sp>
@@ -3841,8 +3848,8 @@
         </p:nvSpPr>
         <p:spPr>
           <a:xfrm>
-            <a:off x="6367993" y="1455088"/>
-            <a:ext cx="1218603" cy="369332"/>
+            <a:off x="6216993" y="1455088"/>
+            <a:ext cx="1520608" cy="646331"/>
           </a:xfrm>
           <a:prstGeom prst="rect">
             <a:avLst/>
@@ -3864,7 +3871,20 @@
                   </a:schemeClr>
                 </a:solidFill>
               </a:rPr>
-              <a:t>Resilience</a:t>
+              <a:t>Conservation</a:t>
+            </a:r>
+          </a:p>
+          <a:p>
+            <a:pPr algn="ctr"/>
+            <a:r>
+              <a:rPr lang="en-US" dirty="0">
+                <a:solidFill>
+                  <a:schemeClr val="accent4">
+                    <a:lumMod val="50000"/>
+                  </a:schemeClr>
+                </a:solidFill>
+              </a:rPr>
+              <a:t>Concern</a:t>
             </a:r>
           </a:p>
         </p:txBody>
@@ -3883,8 +3903,8 @@
         </p:nvSpPr>
         <p:spPr>
           <a:xfrm>
-            <a:off x="7882452" y="1455088"/>
-            <a:ext cx="1197765" cy="369332"/>
+            <a:off x="7713337" y="1455088"/>
+            <a:ext cx="1535998" cy="646331"/>
           </a:xfrm>
           <a:prstGeom prst="rect">
             <a:avLst/>
@@ -3906,7 +3926,20 @@
                   </a:schemeClr>
                 </a:solidFill>
               </a:rPr>
-              <a:t>Sensitivity</a:t>
+              <a:t>Habitat</a:t>
+            </a:r>
+          </a:p>
+          <a:p>
+            <a:pPr algn="ctr"/>
+            <a:r>
+              <a:rPr lang="en-US" dirty="0">
+                <a:solidFill>
+                  <a:schemeClr val="accent5">
+                    <a:lumMod val="75000"/>
+                  </a:schemeClr>
+                </a:solidFill>
+              </a:rPr>
+              <a:t>Susceptibility</a:t>
             </a:r>
           </a:p>
         </p:txBody>

--- a/figures.pptx
+++ b/figures.pptx
@@ -6,6 +6,7 @@
   </p:sldMasterIdLst>
   <p:sldIdLst>
     <p:sldId id="256" r:id="rId2"/>
+    <p:sldId id="257" r:id="rId3"/>
   </p:sldIdLst>
   <p:sldSz cx="12192000" cy="6858000"/>
   <p:notesSz cx="6858000" cy="9144000"/>
@@ -115,13 +116,221 @@
 <file path=ppt/revisionInfo.xml><?xml version="1.0" encoding="utf-8"?>
 <p1510:revInfo xmlns:a="http://schemas.openxmlformats.org/drawingml/2006/main" xmlns:r="http://schemas.openxmlformats.org/officeDocument/2006/relationships" xmlns:p1510="http://schemas.microsoft.com/office/powerpoint/2015/10/main">
   <p1510:revLst>
-    <p1510:client id="{E956B77E-BAA6-48A7-9A0C-3CBADBEFF92A}" v="5" dt="2025-01-15T15:44:21.645"/>
+    <p1510:client id="{B1F4AC73-912D-488B-8500-B41C7889D4C1}" v="22" dt="2025-04-30T15:40:50.697"/>
   </p1510:revLst>
 </p1510:revInfo>
 </file>
 
 <file path=ppt/changesInfos/changesInfo1.xml><?xml version="1.0" encoding="utf-8"?>
 <pc:chgInfo xmlns:a="http://schemas.openxmlformats.org/drawingml/2006/main" xmlns:r="http://schemas.openxmlformats.org/officeDocument/2006/relationships" xmlns:ac="http://schemas.microsoft.com/office/drawing/2013/main/command" xmlns:pc="http://schemas.microsoft.com/office/powerpoint/2013/main/command">
+  <pc:docChgLst>
+    <pc:chgData name="Allison Binley" userId="53aff1208ed7b64f" providerId="LiveId" clId="{B1F4AC73-912D-488B-8500-B41C7889D4C1}"/>
+    <pc:docChg chg="custSel addSld modSld">
+      <pc:chgData name="Allison Binley" userId="53aff1208ed7b64f" providerId="LiveId" clId="{B1F4AC73-912D-488B-8500-B41C7889D4C1}" dt="2025-04-30T15:40:57.531" v="241" actId="1076"/>
+      <pc:docMkLst>
+        <pc:docMk/>
+      </pc:docMkLst>
+      <pc:sldChg chg="addSp delSp modSp new mod">
+        <pc:chgData name="Allison Binley" userId="53aff1208ed7b64f" providerId="LiveId" clId="{B1F4AC73-912D-488B-8500-B41C7889D4C1}" dt="2025-04-30T15:40:57.531" v="241" actId="1076"/>
+        <pc:sldMkLst>
+          <pc:docMk/>
+          <pc:sldMk cId="2759021060" sldId="257"/>
+        </pc:sldMkLst>
+        <pc:spChg chg="del">
+          <ac:chgData name="Allison Binley" userId="53aff1208ed7b64f" providerId="LiveId" clId="{B1F4AC73-912D-488B-8500-B41C7889D4C1}" dt="2025-04-30T14:47:47.525" v="1" actId="478"/>
+          <ac:spMkLst>
+            <pc:docMk/>
+            <pc:sldMk cId="2759021060" sldId="257"/>
+            <ac:spMk id="2" creationId="{CFACC93D-A8BA-E5D3-865A-FA791488A06C}"/>
+          </ac:spMkLst>
+        </pc:spChg>
+        <pc:spChg chg="del">
+          <ac:chgData name="Allison Binley" userId="53aff1208ed7b64f" providerId="LiveId" clId="{B1F4AC73-912D-488B-8500-B41C7889D4C1}" dt="2025-04-30T14:47:49.022" v="2" actId="478"/>
+          <ac:spMkLst>
+            <pc:docMk/>
+            <pc:sldMk cId="2759021060" sldId="257"/>
+            <ac:spMk id="3" creationId="{59D2F189-C52B-1CD5-B198-421A2DD23AE2}"/>
+          </ac:spMkLst>
+        </pc:spChg>
+        <pc:spChg chg="add del mod">
+          <ac:chgData name="Allison Binley" userId="53aff1208ed7b64f" providerId="LiveId" clId="{B1F4AC73-912D-488B-8500-B41C7889D4C1}" dt="2025-04-30T14:50:57.025" v="40" actId="478"/>
+          <ac:spMkLst>
+            <pc:docMk/>
+            <pc:sldMk cId="2759021060" sldId="257"/>
+            <ac:spMk id="6" creationId="{04ACD1BD-D9BD-AC2D-84EA-D43F6B811BA5}"/>
+          </ac:spMkLst>
+        </pc:spChg>
+        <pc:spChg chg="add del mod">
+          <ac:chgData name="Allison Binley" userId="53aff1208ed7b64f" providerId="LiveId" clId="{B1F4AC73-912D-488B-8500-B41C7889D4C1}" dt="2025-04-30T14:50:55.620" v="39" actId="478"/>
+          <ac:spMkLst>
+            <pc:docMk/>
+            <pc:sldMk cId="2759021060" sldId="257"/>
+            <ac:spMk id="7" creationId="{3E9C67D8-D06E-F206-6DF7-6A64B345B1D9}"/>
+          </ac:spMkLst>
+        </pc:spChg>
+        <pc:spChg chg="add mod ord">
+          <ac:chgData name="Allison Binley" userId="53aff1208ed7b64f" providerId="LiveId" clId="{B1F4AC73-912D-488B-8500-B41C7889D4C1}" dt="2025-04-30T14:52:30.939" v="77" actId="1036"/>
+          <ac:spMkLst>
+            <pc:docMk/>
+            <pc:sldMk cId="2759021060" sldId="257"/>
+            <ac:spMk id="8" creationId="{9121EA0E-AFFC-6BB9-CF1B-4E19F54A46C8}"/>
+          </ac:spMkLst>
+        </pc:spChg>
+        <pc:spChg chg="add mod">
+          <ac:chgData name="Allison Binley" userId="53aff1208ed7b64f" providerId="LiveId" clId="{B1F4AC73-912D-488B-8500-B41C7889D4C1}" dt="2025-04-30T14:52:45.835" v="81" actId="1035"/>
+          <ac:spMkLst>
+            <pc:docMk/>
+            <pc:sldMk cId="2759021060" sldId="257"/>
+            <ac:spMk id="9" creationId="{069E0DB2-595B-0B76-8BBF-41F22D9495AC}"/>
+          </ac:spMkLst>
+        </pc:spChg>
+        <pc:spChg chg="add mod">
+          <ac:chgData name="Allison Binley" userId="53aff1208ed7b64f" providerId="LiveId" clId="{B1F4AC73-912D-488B-8500-B41C7889D4C1}" dt="2025-04-30T14:52:37.510" v="78" actId="1036"/>
+          <ac:spMkLst>
+            <pc:docMk/>
+            <pc:sldMk cId="2759021060" sldId="257"/>
+            <ac:spMk id="10" creationId="{7B685D00-5944-4C2B-F8A3-996DE0C37564}"/>
+          </ac:spMkLst>
+        </pc:spChg>
+        <pc:spChg chg="add mod">
+          <ac:chgData name="Allison Binley" userId="53aff1208ed7b64f" providerId="LiveId" clId="{B1F4AC73-912D-488B-8500-B41C7889D4C1}" dt="2025-04-30T14:52:53.421" v="85" actId="1035"/>
+          <ac:spMkLst>
+            <pc:docMk/>
+            <pc:sldMk cId="2759021060" sldId="257"/>
+            <ac:spMk id="11" creationId="{95892E4D-DBAB-5F48-3C61-461EE5DE8453}"/>
+          </ac:spMkLst>
+        </pc:spChg>
+        <pc:spChg chg="add mod">
+          <ac:chgData name="Allison Binley" userId="53aff1208ed7b64f" providerId="LiveId" clId="{B1F4AC73-912D-488B-8500-B41C7889D4C1}" dt="2025-04-30T14:52:39.391" v="79" actId="1036"/>
+          <ac:spMkLst>
+            <pc:docMk/>
+            <pc:sldMk cId="2759021060" sldId="257"/>
+            <ac:spMk id="12" creationId="{5F143AC1-F1F3-DCCB-D29D-15493A7A7F50}"/>
+          </ac:spMkLst>
+        </pc:spChg>
+        <pc:spChg chg="add mod">
+          <ac:chgData name="Allison Binley" userId="53aff1208ed7b64f" providerId="LiveId" clId="{B1F4AC73-912D-488B-8500-B41C7889D4C1}" dt="2025-04-30T14:51:16.769" v="58" actId="1038"/>
+          <ac:spMkLst>
+            <pc:docMk/>
+            <pc:sldMk cId="2759021060" sldId="257"/>
+            <ac:spMk id="13" creationId="{1DB31FE9-854A-D934-B786-A0E417782B79}"/>
+          </ac:spMkLst>
+        </pc:spChg>
+        <pc:spChg chg="add del mod">
+          <ac:chgData name="Allison Binley" userId="53aff1208ed7b64f" providerId="LiveId" clId="{B1F4AC73-912D-488B-8500-B41C7889D4C1}" dt="2025-04-30T14:52:28.821" v="76" actId="478"/>
+          <ac:spMkLst>
+            <pc:docMk/>
+            <pc:sldMk cId="2759021060" sldId="257"/>
+            <ac:spMk id="14" creationId="{CF6F8CA4-98F2-45F5-1470-1F5F04AB89CF}"/>
+          </ac:spMkLst>
+        </pc:spChg>
+        <pc:spChg chg="add mod">
+          <ac:chgData name="Allison Binley" userId="53aff1208ed7b64f" providerId="LiveId" clId="{B1F4AC73-912D-488B-8500-B41C7889D4C1}" dt="2025-04-30T15:02:17.759" v="219" actId="113"/>
+          <ac:spMkLst>
+            <pc:docMk/>
+            <pc:sldMk cId="2759021060" sldId="257"/>
+            <ac:spMk id="15" creationId="{ACF52A91-055E-70A7-47C2-68F397C1CBEF}"/>
+          </ac:spMkLst>
+        </pc:spChg>
+        <pc:spChg chg="add mod">
+          <ac:chgData name="Allison Binley" userId="53aff1208ed7b64f" providerId="LiveId" clId="{B1F4AC73-912D-488B-8500-B41C7889D4C1}" dt="2025-04-30T14:55:59.642" v="207" actId="403"/>
+          <ac:spMkLst>
+            <pc:docMk/>
+            <pc:sldMk cId="2759021060" sldId="257"/>
+            <ac:spMk id="16" creationId="{462FF250-2D9E-D2E5-5597-3339A54444E2}"/>
+          </ac:spMkLst>
+        </pc:spChg>
+        <pc:spChg chg="add mod">
+          <ac:chgData name="Allison Binley" userId="53aff1208ed7b64f" providerId="LiveId" clId="{B1F4AC73-912D-488B-8500-B41C7889D4C1}" dt="2025-04-30T14:56:04.004" v="208" actId="403"/>
+          <ac:spMkLst>
+            <pc:docMk/>
+            <pc:sldMk cId="2759021060" sldId="257"/>
+            <ac:spMk id="17" creationId="{0E9E4FFE-B38B-8C3C-021A-3355744363C0}"/>
+          </ac:spMkLst>
+        </pc:spChg>
+        <pc:spChg chg="add mod">
+          <ac:chgData name="Allison Binley" userId="53aff1208ed7b64f" providerId="LiveId" clId="{B1F4AC73-912D-488B-8500-B41C7889D4C1}" dt="2025-04-30T14:56:18.984" v="209" actId="403"/>
+          <ac:spMkLst>
+            <pc:docMk/>
+            <pc:sldMk cId="2759021060" sldId="257"/>
+            <ac:spMk id="18" creationId="{DEBE0C2E-82CC-E393-C120-3528AF08D127}"/>
+          </ac:spMkLst>
+        </pc:spChg>
+        <pc:spChg chg="add mod">
+          <ac:chgData name="Allison Binley" userId="53aff1208ed7b64f" providerId="LiveId" clId="{B1F4AC73-912D-488B-8500-B41C7889D4C1}" dt="2025-04-30T14:56:22.423" v="210" actId="403"/>
+          <ac:spMkLst>
+            <pc:docMk/>
+            <pc:sldMk cId="2759021060" sldId="257"/>
+            <ac:spMk id="19" creationId="{7DFBEE27-9644-D62A-365C-CC96833DC8E1}"/>
+          </ac:spMkLst>
+        </pc:spChg>
+        <pc:spChg chg="add mod">
+          <ac:chgData name="Allison Binley" userId="53aff1208ed7b64f" providerId="LiveId" clId="{B1F4AC73-912D-488B-8500-B41C7889D4C1}" dt="2025-04-30T14:56:37.855" v="217" actId="1037"/>
+          <ac:spMkLst>
+            <pc:docMk/>
+            <pc:sldMk cId="2759021060" sldId="257"/>
+            <ac:spMk id="20" creationId="{5C901C0B-8FE9-FD67-6C11-80276FD2F251}"/>
+          </ac:spMkLst>
+        </pc:spChg>
+        <pc:spChg chg="add mod">
+          <ac:chgData name="Allison Binley" userId="53aff1208ed7b64f" providerId="LiveId" clId="{B1F4AC73-912D-488B-8500-B41C7889D4C1}" dt="2025-04-30T15:39:57.273" v="225" actId="1038"/>
+          <ac:spMkLst>
+            <pc:docMk/>
+            <pc:sldMk cId="2759021060" sldId="257"/>
+            <ac:spMk id="21" creationId="{355EA438-DE1D-753B-272B-0DC7B8E0B95B}"/>
+          </ac:spMkLst>
+        </pc:spChg>
+        <pc:spChg chg="add mod">
+          <ac:chgData name="Allison Binley" userId="53aff1208ed7b64f" providerId="LiveId" clId="{B1F4AC73-912D-488B-8500-B41C7889D4C1}" dt="2025-04-30T15:40:09.341" v="227" actId="1076"/>
+          <ac:spMkLst>
+            <pc:docMk/>
+            <pc:sldMk cId="2759021060" sldId="257"/>
+            <ac:spMk id="22" creationId="{9CC99BF1-5C92-21B2-2D5A-1C4F4CE1D56D}"/>
+          </ac:spMkLst>
+        </pc:spChg>
+        <pc:spChg chg="add mod">
+          <ac:chgData name="Allison Binley" userId="53aff1208ed7b64f" providerId="LiveId" clId="{B1F4AC73-912D-488B-8500-B41C7889D4C1}" dt="2025-04-30T15:40:30.827" v="234" actId="1037"/>
+          <ac:spMkLst>
+            <pc:docMk/>
+            <pc:sldMk cId="2759021060" sldId="257"/>
+            <ac:spMk id="23" creationId="{37D79ED7-13B8-5014-2077-35EC5F2ABE05}"/>
+          </ac:spMkLst>
+        </pc:spChg>
+        <pc:spChg chg="add mod">
+          <ac:chgData name="Allison Binley" userId="53aff1208ed7b64f" providerId="LiveId" clId="{B1F4AC73-912D-488B-8500-B41C7889D4C1}" dt="2025-04-30T15:40:32.277" v="235" actId="1037"/>
+          <ac:spMkLst>
+            <pc:docMk/>
+            <pc:sldMk cId="2759021060" sldId="257"/>
+            <ac:spMk id="24" creationId="{BFBE3595-05D5-D8AE-D2F6-0F6201B1050B}"/>
+          </ac:spMkLst>
+        </pc:spChg>
+        <pc:spChg chg="add mod">
+          <ac:chgData name="Allison Binley" userId="53aff1208ed7b64f" providerId="LiveId" clId="{B1F4AC73-912D-488B-8500-B41C7889D4C1}" dt="2025-04-30T15:40:49.628" v="239" actId="1076"/>
+          <ac:spMkLst>
+            <pc:docMk/>
+            <pc:sldMk cId="2759021060" sldId="257"/>
+            <ac:spMk id="25" creationId="{C39F2FED-9FB5-6F84-07AF-460BCBACD675}"/>
+          </ac:spMkLst>
+        </pc:spChg>
+        <pc:spChg chg="add mod">
+          <ac:chgData name="Allison Binley" userId="53aff1208ed7b64f" providerId="LiveId" clId="{B1F4AC73-912D-488B-8500-B41C7889D4C1}" dt="2025-04-30T15:40:57.531" v="241" actId="1076"/>
+          <ac:spMkLst>
+            <pc:docMk/>
+            <pc:sldMk cId="2759021060" sldId="257"/>
+            <ac:spMk id="26" creationId="{FE31F4C3-0B63-94C1-DD1C-2EBC8645B9A8}"/>
+          </ac:spMkLst>
+        </pc:spChg>
+        <pc:picChg chg="add mod">
+          <ac:chgData name="Allison Binley" userId="53aff1208ed7b64f" providerId="LiveId" clId="{B1F4AC73-912D-488B-8500-B41C7889D4C1}" dt="2025-04-30T14:48:13.581" v="5" actId="962"/>
+          <ac:picMkLst>
+            <pc:docMk/>
+            <pc:sldMk cId="2759021060" sldId="257"/>
+            <ac:picMk id="5" creationId="{73DA6D82-5C35-6324-C596-9A35F4B53819}"/>
+          </ac:picMkLst>
+        </pc:picChg>
+      </pc:sldChg>
+    </pc:docChg>
+  </pc:docChgLst>
   <pc:docChgLst>
     <pc:chgData name="Allison Binley" userId="53aff1208ed7b64f" providerId="LiveId" clId="{E956B77E-BAA6-48A7-9A0C-3CBADBEFF92A}"/>
     <pc:docChg chg="modSld">
@@ -135,38 +344,6 @@
           <pc:docMk/>
           <pc:sldMk cId="2962613126" sldId="256"/>
         </pc:sldMkLst>
-        <pc:spChg chg="mod">
-          <ac:chgData name="Allison Binley" userId="53aff1208ed7b64f" providerId="LiveId" clId="{E956B77E-BAA6-48A7-9A0C-3CBADBEFF92A}" dt="2025-01-15T15:44:21.645" v="4" actId="20577"/>
-          <ac:spMkLst>
-            <pc:docMk/>
-            <pc:sldMk cId="2962613126" sldId="256"/>
-            <ac:spMk id="5" creationId="{95CE781F-254C-2FF8-FC45-DC6910951281}"/>
-          </ac:spMkLst>
-        </pc:spChg>
-        <pc:spChg chg="mod">
-          <ac:chgData name="Allison Binley" userId="53aff1208ed7b64f" providerId="LiveId" clId="{E956B77E-BAA6-48A7-9A0C-3CBADBEFF92A}" dt="2025-01-15T15:44:56.967" v="20" actId="1076"/>
-          <ac:spMkLst>
-            <pc:docMk/>
-            <pc:sldMk cId="2962613126" sldId="256"/>
-            <ac:spMk id="7" creationId="{E389F9F8-5911-47FA-2175-E1E68E1DCEB6}"/>
-          </ac:spMkLst>
-        </pc:spChg>
-        <pc:spChg chg="mod">
-          <ac:chgData name="Allison Binley" userId="53aff1208ed7b64f" providerId="LiveId" clId="{E956B77E-BAA6-48A7-9A0C-3CBADBEFF92A}" dt="2025-01-15T15:44:43.242" v="18" actId="1076"/>
-          <ac:spMkLst>
-            <pc:docMk/>
-            <pc:sldMk cId="2962613126" sldId="256"/>
-            <ac:spMk id="8" creationId="{DDD2DAE8-869B-DECB-CBA4-7A7E3B56986A}"/>
-          </ac:spMkLst>
-        </pc:spChg>
-        <pc:spChg chg="mod">
-          <ac:chgData name="Allison Binley" userId="53aff1208ed7b64f" providerId="LiveId" clId="{E956B77E-BAA6-48A7-9A0C-3CBADBEFF92A}" dt="2025-01-15T15:44:30.103" v="6" actId="14100"/>
-          <ac:spMkLst>
-            <pc:docMk/>
-            <pc:sldMk cId="2962613126" sldId="256"/>
-            <ac:spMk id="9" creationId="{DD2C2CA8-4C01-E3A1-0CF1-76A3AF70BB1C}"/>
-          </ac:spMkLst>
-        </pc:spChg>
         <pc:spChg chg="mod">
           <ac:chgData name="Allison Binley" userId="53aff1208ed7b64f" providerId="LiveId" clId="{E956B77E-BAA6-48A7-9A0C-3CBADBEFF92A}" dt="2025-02-05T19:55:29.125" v="112" actId="20577"/>
           <ac:spMkLst>
@@ -344,7 +521,7 @@
           <a:p>
             <a:fld id="{7D7AC490-4278-4F24-9FBC-8CC7712059A7}" type="datetimeFigureOut">
               <a:rPr lang="en-US" smtClean="0"/>
-              <a:t>2/5/2025</a:t>
+              <a:t>4/30/2025</a:t>
             </a:fld>
             <a:endParaRPr lang="en-US"/>
           </a:p>
@@ -542,7 +719,7 @@
           <a:p>
             <a:fld id="{7D7AC490-4278-4F24-9FBC-8CC7712059A7}" type="datetimeFigureOut">
               <a:rPr lang="en-US" smtClean="0"/>
-              <a:t>2/5/2025</a:t>
+              <a:t>4/30/2025</a:t>
             </a:fld>
             <a:endParaRPr lang="en-US"/>
           </a:p>
@@ -750,7 +927,7 @@
           <a:p>
             <a:fld id="{7D7AC490-4278-4F24-9FBC-8CC7712059A7}" type="datetimeFigureOut">
               <a:rPr lang="en-US" smtClean="0"/>
-              <a:t>2/5/2025</a:t>
+              <a:t>4/30/2025</a:t>
             </a:fld>
             <a:endParaRPr lang="en-US"/>
           </a:p>
@@ -948,7 +1125,7 @@
           <a:p>
             <a:fld id="{7D7AC490-4278-4F24-9FBC-8CC7712059A7}" type="datetimeFigureOut">
               <a:rPr lang="en-US" smtClean="0"/>
-              <a:t>2/5/2025</a:t>
+              <a:t>4/30/2025</a:t>
             </a:fld>
             <a:endParaRPr lang="en-US"/>
           </a:p>
@@ -1223,7 +1400,7 @@
           <a:p>
             <a:fld id="{7D7AC490-4278-4F24-9FBC-8CC7712059A7}" type="datetimeFigureOut">
               <a:rPr lang="en-US" smtClean="0"/>
-              <a:t>2/5/2025</a:t>
+              <a:t>4/30/2025</a:t>
             </a:fld>
             <a:endParaRPr lang="en-US"/>
           </a:p>
@@ -1488,7 +1665,7 @@
           <a:p>
             <a:fld id="{7D7AC490-4278-4F24-9FBC-8CC7712059A7}" type="datetimeFigureOut">
               <a:rPr lang="en-US" smtClean="0"/>
-              <a:t>2/5/2025</a:t>
+              <a:t>4/30/2025</a:t>
             </a:fld>
             <a:endParaRPr lang="en-US"/>
           </a:p>
@@ -1900,7 +2077,7 @@
           <a:p>
             <a:fld id="{7D7AC490-4278-4F24-9FBC-8CC7712059A7}" type="datetimeFigureOut">
               <a:rPr lang="en-US" smtClean="0"/>
-              <a:t>2/5/2025</a:t>
+              <a:t>4/30/2025</a:t>
             </a:fld>
             <a:endParaRPr lang="en-US"/>
           </a:p>
@@ -2041,7 +2218,7 @@
           <a:p>
             <a:fld id="{7D7AC490-4278-4F24-9FBC-8CC7712059A7}" type="datetimeFigureOut">
               <a:rPr lang="en-US" smtClean="0"/>
-              <a:t>2/5/2025</a:t>
+              <a:t>4/30/2025</a:t>
             </a:fld>
             <a:endParaRPr lang="en-US"/>
           </a:p>
@@ -2154,7 +2331,7 @@
           <a:p>
             <a:fld id="{7D7AC490-4278-4F24-9FBC-8CC7712059A7}" type="datetimeFigureOut">
               <a:rPr lang="en-US" smtClean="0"/>
-              <a:t>2/5/2025</a:t>
+              <a:t>4/30/2025</a:t>
             </a:fld>
             <a:endParaRPr lang="en-US"/>
           </a:p>
@@ -2465,7 +2642,7 @@
           <a:p>
             <a:fld id="{7D7AC490-4278-4F24-9FBC-8CC7712059A7}" type="datetimeFigureOut">
               <a:rPr lang="en-US" smtClean="0"/>
-              <a:t>2/5/2025</a:t>
+              <a:t>4/30/2025</a:t>
             </a:fld>
             <a:endParaRPr lang="en-US"/>
           </a:p>
@@ -2753,7 +2930,7 @@
           <a:p>
             <a:fld id="{7D7AC490-4278-4F24-9FBC-8CC7712059A7}" type="datetimeFigureOut">
               <a:rPr lang="en-US" smtClean="0"/>
-              <a:t>2/5/2025</a:t>
+              <a:t>4/30/2025</a:t>
             </a:fld>
             <a:endParaRPr lang="en-US"/>
           </a:p>
@@ -2994,7 +3171,7 @@
           <a:p>
             <a:fld id="{7D7AC490-4278-4F24-9FBC-8CC7712059A7}" type="datetimeFigureOut">
               <a:rPr lang="en-US" smtClean="0"/>
-              <a:t>2/5/2025</a:t>
+              <a:t>4/30/2025</a:t>
             </a:fld>
             <a:endParaRPr lang="en-US"/>
           </a:p>
@@ -3957,6 +4134,738 @@
 </p:sld>
 </file>
 
+<file path=ppt/slides/slide2.xml><?xml version="1.0" encoding="utf-8"?>
+<p:sld xmlns:a="http://schemas.openxmlformats.org/drawingml/2006/main" xmlns:r="http://schemas.openxmlformats.org/officeDocument/2006/relationships" xmlns:p="http://schemas.openxmlformats.org/presentationml/2006/main">
+  <p:cSld>
+    <p:spTree>
+      <p:nvGrpSpPr>
+        <p:cNvPr id="1" name=""/>
+        <p:cNvGrpSpPr/>
+        <p:nvPr/>
+      </p:nvGrpSpPr>
+      <p:grpSpPr>
+        <a:xfrm>
+          <a:off x="0" y="0"/>
+          <a:ext cx="0" cy="0"/>
+          <a:chOff x="0" y="0"/>
+          <a:chExt cx="0" cy="0"/>
+        </a:xfrm>
+      </p:grpSpPr>
+      <p:pic>
+        <p:nvPicPr>
+          <p:cNvPr id="5" name="Picture 4" descr="A group of colorful squares&#10;&#10;AI-generated content may be incorrect.">
+            <a:extLst>
+              <a:ext uri="{FF2B5EF4-FFF2-40B4-BE49-F238E27FC236}">
+                <a16:creationId xmlns:a16="http://schemas.microsoft.com/office/drawing/2014/main" id="{73DA6D82-5C35-6324-C596-9A35F4B53819}"/>
+              </a:ext>
+            </a:extLst>
+          </p:cNvPr>
+          <p:cNvPicPr>
+            <a:picLocks noChangeAspect="1"/>
+          </p:cNvPicPr>
+          <p:nvPr/>
+        </p:nvPicPr>
+        <p:blipFill>
+          <a:blip r:embed="rId2">
+            <a:extLst>
+              <a:ext uri="{28A0092B-C50C-407E-A947-70E740481C1C}">
+                <a14:useLocalDpi xmlns:a14="http://schemas.microsoft.com/office/drawing/2010/main" val="0"/>
+              </a:ext>
+            </a:extLst>
+          </a:blip>
+          <a:stretch>
+            <a:fillRect/>
+          </a:stretch>
+        </p:blipFill>
+        <p:spPr>
+          <a:xfrm>
+            <a:off x="1524000" y="0"/>
+            <a:ext cx="9143999" cy="6858000"/>
+          </a:xfrm>
+          <a:prstGeom prst="rect">
+            <a:avLst/>
+          </a:prstGeom>
+        </p:spPr>
+      </p:pic>
+      <p:sp>
+        <p:nvSpPr>
+          <p:cNvPr id="9" name="TextBox 8">
+            <a:extLst>
+              <a:ext uri="{FF2B5EF4-FFF2-40B4-BE49-F238E27FC236}">
+                <a16:creationId xmlns:a16="http://schemas.microsoft.com/office/drawing/2014/main" id="{069E0DB2-595B-0B76-8BBF-41F22D9495AC}"/>
+              </a:ext>
+            </a:extLst>
+          </p:cNvPr>
+          <p:cNvSpPr txBox="1"/>
+          <p:nvPr/>
+        </p:nvSpPr>
+        <p:spPr>
+          <a:xfrm>
+            <a:off x="4466405" y="4999614"/>
+            <a:ext cx="504000" cy="276999"/>
+          </a:xfrm>
+          <a:prstGeom prst="rect">
+            <a:avLst/>
+          </a:prstGeom>
+          <a:solidFill>
+            <a:schemeClr val="bg1"/>
+          </a:solidFill>
+        </p:spPr>
+        <p:txBody>
+          <a:bodyPr wrap="square" rtlCol="0">
+            <a:spAutoFit/>
+          </a:bodyPr>
+          <a:lstStyle/>
+          <a:p>
+            <a:r>
+              <a:rPr lang="en-CA" sz="1200" dirty="0"/>
+              <a:t>CCS</a:t>
+            </a:r>
+          </a:p>
+        </p:txBody>
+      </p:sp>
+      <p:sp>
+        <p:nvSpPr>
+          <p:cNvPr id="10" name="TextBox 9">
+            <a:extLst>
+              <a:ext uri="{FF2B5EF4-FFF2-40B4-BE49-F238E27FC236}">
+                <a16:creationId xmlns:a16="http://schemas.microsoft.com/office/drawing/2014/main" id="{7B685D00-5944-4C2B-F8A3-996DE0C37564}"/>
+              </a:ext>
+            </a:extLst>
+          </p:cNvPr>
+          <p:cNvSpPr txBox="1"/>
+          <p:nvPr/>
+        </p:nvSpPr>
+        <p:spPr>
+          <a:xfrm>
+            <a:off x="7545707" y="1564865"/>
+            <a:ext cx="504000" cy="276999"/>
+          </a:xfrm>
+          <a:prstGeom prst="rect">
+            <a:avLst/>
+          </a:prstGeom>
+          <a:solidFill>
+            <a:schemeClr val="bg1"/>
+          </a:solidFill>
+        </p:spPr>
+        <p:txBody>
+          <a:bodyPr wrap="square" rtlCol="0">
+            <a:spAutoFit/>
+          </a:bodyPr>
+          <a:lstStyle/>
+          <a:p>
+            <a:r>
+              <a:rPr lang="en-CA" sz="1200" dirty="0"/>
+              <a:t>CCS</a:t>
+            </a:r>
+          </a:p>
+        </p:txBody>
+      </p:sp>
+      <p:sp>
+        <p:nvSpPr>
+          <p:cNvPr id="11" name="TextBox 10">
+            <a:extLst>
+              <a:ext uri="{FF2B5EF4-FFF2-40B4-BE49-F238E27FC236}">
+                <a16:creationId xmlns:a16="http://schemas.microsoft.com/office/drawing/2014/main" id="{95892E4D-DBAB-5F48-3C61-461EE5DE8453}"/>
+              </a:ext>
+            </a:extLst>
+          </p:cNvPr>
+          <p:cNvSpPr txBox="1"/>
+          <p:nvPr/>
+        </p:nvSpPr>
+        <p:spPr>
+          <a:xfrm>
+            <a:off x="7530644" y="4993202"/>
+            <a:ext cx="504000" cy="276999"/>
+          </a:xfrm>
+          <a:prstGeom prst="rect">
+            <a:avLst/>
+          </a:prstGeom>
+          <a:solidFill>
+            <a:schemeClr val="bg1"/>
+          </a:solidFill>
+        </p:spPr>
+        <p:txBody>
+          <a:bodyPr wrap="square" rtlCol="0">
+            <a:spAutoFit/>
+          </a:bodyPr>
+          <a:lstStyle/>
+          <a:p>
+            <a:r>
+              <a:rPr lang="en-CA" sz="1200" dirty="0"/>
+              <a:t>CCS</a:t>
+            </a:r>
+          </a:p>
+        </p:txBody>
+      </p:sp>
+      <p:sp>
+        <p:nvSpPr>
+          <p:cNvPr id="12" name="TextBox 11">
+            <a:extLst>
+              <a:ext uri="{FF2B5EF4-FFF2-40B4-BE49-F238E27FC236}">
+                <a16:creationId xmlns:a16="http://schemas.microsoft.com/office/drawing/2014/main" id="{5F143AC1-F1F3-DCCB-D29D-15493A7A7F50}"/>
+              </a:ext>
+            </a:extLst>
+          </p:cNvPr>
+          <p:cNvSpPr txBox="1"/>
+          <p:nvPr/>
+        </p:nvSpPr>
+        <p:spPr>
+          <a:xfrm>
+            <a:off x="1428019" y="1564865"/>
+            <a:ext cx="504000" cy="276999"/>
+          </a:xfrm>
+          <a:prstGeom prst="rect">
+            <a:avLst/>
+          </a:prstGeom>
+          <a:solidFill>
+            <a:schemeClr val="bg1"/>
+          </a:solidFill>
+        </p:spPr>
+        <p:txBody>
+          <a:bodyPr wrap="square" rtlCol="0">
+            <a:spAutoFit/>
+          </a:bodyPr>
+          <a:lstStyle/>
+          <a:p>
+            <a:r>
+              <a:rPr lang="en-CA" sz="1200" dirty="0"/>
+              <a:t>CCS</a:t>
+            </a:r>
+          </a:p>
+        </p:txBody>
+      </p:sp>
+      <p:sp>
+        <p:nvSpPr>
+          <p:cNvPr id="13" name="TextBox 12">
+            <a:extLst>
+              <a:ext uri="{FF2B5EF4-FFF2-40B4-BE49-F238E27FC236}">
+                <a16:creationId xmlns:a16="http://schemas.microsoft.com/office/drawing/2014/main" id="{1DB31FE9-854A-D934-B786-A0E417782B79}"/>
+              </a:ext>
+            </a:extLst>
+          </p:cNvPr>
+          <p:cNvSpPr txBox="1"/>
+          <p:nvPr/>
+        </p:nvSpPr>
+        <p:spPr>
+          <a:xfrm>
+            <a:off x="1426019" y="4999614"/>
+            <a:ext cx="504000" cy="276999"/>
+          </a:xfrm>
+          <a:prstGeom prst="rect">
+            <a:avLst/>
+          </a:prstGeom>
+          <a:solidFill>
+            <a:schemeClr val="bg1"/>
+          </a:solidFill>
+        </p:spPr>
+        <p:txBody>
+          <a:bodyPr wrap="square" rtlCol="0">
+            <a:spAutoFit/>
+          </a:bodyPr>
+          <a:lstStyle/>
+          <a:p>
+            <a:r>
+              <a:rPr lang="en-CA" sz="1200" dirty="0"/>
+              <a:t>CCS</a:t>
+            </a:r>
+          </a:p>
+        </p:txBody>
+      </p:sp>
+      <p:sp>
+        <p:nvSpPr>
+          <p:cNvPr id="8" name="TextBox 7">
+            <a:extLst>
+              <a:ext uri="{FF2B5EF4-FFF2-40B4-BE49-F238E27FC236}">
+                <a16:creationId xmlns:a16="http://schemas.microsoft.com/office/drawing/2014/main" id="{9121EA0E-AFFC-6BB9-CF1B-4E19F54A46C8}"/>
+              </a:ext>
+            </a:extLst>
+          </p:cNvPr>
+          <p:cNvSpPr txBox="1"/>
+          <p:nvPr/>
+        </p:nvSpPr>
+        <p:spPr>
+          <a:xfrm>
+            <a:off x="4477912" y="1564865"/>
+            <a:ext cx="504000" cy="276999"/>
+          </a:xfrm>
+          <a:prstGeom prst="rect">
+            <a:avLst/>
+          </a:prstGeom>
+          <a:solidFill>
+            <a:schemeClr val="bg1"/>
+          </a:solidFill>
+        </p:spPr>
+        <p:txBody>
+          <a:bodyPr wrap="square" rtlCol="0">
+            <a:spAutoFit/>
+          </a:bodyPr>
+          <a:lstStyle/>
+          <a:p>
+            <a:r>
+              <a:rPr lang="en-CA" sz="1200" dirty="0"/>
+              <a:t>CCS</a:t>
+            </a:r>
+          </a:p>
+        </p:txBody>
+      </p:sp>
+      <p:sp>
+        <p:nvSpPr>
+          <p:cNvPr id="15" name="TextBox 14">
+            <a:extLst>
+              <a:ext uri="{FF2B5EF4-FFF2-40B4-BE49-F238E27FC236}">
+                <a16:creationId xmlns:a16="http://schemas.microsoft.com/office/drawing/2014/main" id="{ACF52A91-055E-70A7-47C2-68F397C1CBEF}"/>
+              </a:ext>
+            </a:extLst>
+          </p:cNvPr>
+          <p:cNvSpPr txBox="1"/>
+          <p:nvPr/>
+        </p:nvSpPr>
+        <p:spPr>
+          <a:xfrm>
+            <a:off x="2219741" y="0"/>
+            <a:ext cx="2105769" cy="307777"/>
+          </a:xfrm>
+          <a:prstGeom prst="rect">
+            <a:avLst/>
+          </a:prstGeom>
+          <a:solidFill>
+            <a:schemeClr val="bg1"/>
+          </a:solidFill>
+        </p:spPr>
+        <p:txBody>
+          <a:bodyPr wrap="square" rtlCol="0">
+            <a:spAutoFit/>
+          </a:bodyPr>
+          <a:lstStyle/>
+          <a:p>
+            <a:r>
+              <a:rPr lang="en-CA" sz="1400" dirty="0"/>
+              <a:t>Horned Grebe (VI: 125.0)</a:t>
+            </a:r>
+          </a:p>
+        </p:txBody>
+      </p:sp>
+      <p:sp>
+        <p:nvSpPr>
+          <p:cNvPr id="16" name="TextBox 15">
+            <a:extLst>
+              <a:ext uri="{FF2B5EF4-FFF2-40B4-BE49-F238E27FC236}">
+                <a16:creationId xmlns:a16="http://schemas.microsoft.com/office/drawing/2014/main" id="{462FF250-2D9E-D2E5-5597-3339A54444E2}"/>
+              </a:ext>
+            </a:extLst>
+          </p:cNvPr>
+          <p:cNvSpPr txBox="1"/>
+          <p:nvPr/>
+        </p:nvSpPr>
+        <p:spPr>
+          <a:xfrm>
+            <a:off x="5150457" y="-1"/>
+            <a:ext cx="1891083" cy="307777"/>
+          </a:xfrm>
+          <a:prstGeom prst="rect">
+            <a:avLst/>
+          </a:prstGeom>
+          <a:solidFill>
+            <a:schemeClr val="bg1"/>
+          </a:solidFill>
+        </p:spPr>
+        <p:txBody>
+          <a:bodyPr wrap="square" rtlCol="0">
+            <a:spAutoFit/>
+          </a:bodyPr>
+          <a:lstStyle/>
+          <a:p>
+            <a:r>
+              <a:rPr lang="en-CA" sz="1400" dirty="0"/>
+              <a:t>Least Bittern (VI: 26.4)</a:t>
+            </a:r>
+          </a:p>
+        </p:txBody>
+      </p:sp>
+      <p:sp>
+        <p:nvSpPr>
+          <p:cNvPr id="17" name="TextBox 16">
+            <a:extLst>
+              <a:ext uri="{FF2B5EF4-FFF2-40B4-BE49-F238E27FC236}">
+                <a16:creationId xmlns:a16="http://schemas.microsoft.com/office/drawing/2014/main" id="{0E9E4FFE-B38B-8C3C-021A-3355744363C0}"/>
+              </a:ext>
+            </a:extLst>
+          </p:cNvPr>
+          <p:cNvSpPr txBox="1"/>
+          <p:nvPr/>
+        </p:nvSpPr>
+        <p:spPr>
+          <a:xfrm>
+            <a:off x="8438987" y="-2"/>
+            <a:ext cx="1891083" cy="307777"/>
+          </a:xfrm>
+          <a:prstGeom prst="rect">
+            <a:avLst/>
+          </a:prstGeom>
+          <a:solidFill>
+            <a:schemeClr val="bg1"/>
+          </a:solidFill>
+        </p:spPr>
+        <p:txBody>
+          <a:bodyPr wrap="square" rtlCol="0">
+            <a:spAutoFit/>
+          </a:bodyPr>
+          <a:lstStyle/>
+          <a:p>
+            <a:r>
+              <a:rPr lang="en-CA" sz="1400" dirty="0"/>
+              <a:t>Mallard (VI: 12.0)</a:t>
+            </a:r>
+          </a:p>
+        </p:txBody>
+      </p:sp>
+      <p:sp>
+        <p:nvSpPr>
+          <p:cNvPr id="18" name="TextBox 17">
+            <a:extLst>
+              <a:ext uri="{FF2B5EF4-FFF2-40B4-BE49-F238E27FC236}">
+                <a16:creationId xmlns:a16="http://schemas.microsoft.com/office/drawing/2014/main" id="{DEBE0C2E-82CC-E393-C120-3528AF08D127}"/>
+              </a:ext>
+            </a:extLst>
+          </p:cNvPr>
+          <p:cNvSpPr txBox="1"/>
+          <p:nvPr/>
+        </p:nvSpPr>
+        <p:spPr>
+          <a:xfrm>
+            <a:off x="2219741" y="3429000"/>
+            <a:ext cx="1891083" cy="307777"/>
+          </a:xfrm>
+          <a:prstGeom prst="rect">
+            <a:avLst/>
+          </a:prstGeom>
+          <a:solidFill>
+            <a:schemeClr val="bg1"/>
+          </a:solidFill>
+        </p:spPr>
+        <p:txBody>
+          <a:bodyPr wrap="square" rtlCol="0">
+            <a:spAutoFit/>
+          </a:bodyPr>
+          <a:lstStyle/>
+          <a:p>
+            <a:r>
+              <a:rPr lang="en-CA" sz="1400" dirty="0"/>
+              <a:t>Marsh Wren (VI: 5.0)</a:t>
+            </a:r>
+          </a:p>
+        </p:txBody>
+      </p:sp>
+      <p:sp>
+        <p:nvSpPr>
+          <p:cNvPr id="19" name="TextBox 18">
+            <a:extLst>
+              <a:ext uri="{FF2B5EF4-FFF2-40B4-BE49-F238E27FC236}">
+                <a16:creationId xmlns:a16="http://schemas.microsoft.com/office/drawing/2014/main" id="{7DFBEE27-9644-D62A-365C-CC96833DC8E1}"/>
+              </a:ext>
+            </a:extLst>
+          </p:cNvPr>
+          <p:cNvSpPr txBox="1"/>
+          <p:nvPr/>
+        </p:nvSpPr>
+        <p:spPr>
+          <a:xfrm>
+            <a:off x="5498328" y="3428999"/>
+            <a:ext cx="1891083" cy="307777"/>
+          </a:xfrm>
+          <a:prstGeom prst="rect">
+            <a:avLst/>
+          </a:prstGeom>
+          <a:solidFill>
+            <a:schemeClr val="bg1"/>
+          </a:solidFill>
+        </p:spPr>
+        <p:txBody>
+          <a:bodyPr wrap="square" rtlCol="0">
+            <a:spAutoFit/>
+          </a:bodyPr>
+          <a:lstStyle/>
+          <a:p>
+            <a:r>
+              <a:rPr lang="en-CA" sz="1400" dirty="0"/>
+              <a:t>Osprey (VI: 7.5)</a:t>
+            </a:r>
+          </a:p>
+        </p:txBody>
+      </p:sp>
+      <p:sp>
+        <p:nvSpPr>
+          <p:cNvPr id="20" name="TextBox 19">
+            <a:extLst>
+              <a:ext uri="{FF2B5EF4-FFF2-40B4-BE49-F238E27FC236}">
+                <a16:creationId xmlns:a16="http://schemas.microsoft.com/office/drawing/2014/main" id="{5C901C0B-8FE9-FD67-6C11-80276FD2F251}"/>
+              </a:ext>
+            </a:extLst>
+          </p:cNvPr>
+          <p:cNvSpPr txBox="1"/>
+          <p:nvPr/>
+        </p:nvSpPr>
+        <p:spPr>
+          <a:xfrm>
+            <a:off x="8193160" y="3428998"/>
+            <a:ext cx="2435084" cy="307777"/>
+          </a:xfrm>
+          <a:prstGeom prst="rect">
+            <a:avLst/>
+          </a:prstGeom>
+          <a:solidFill>
+            <a:schemeClr val="bg1"/>
+          </a:solidFill>
+        </p:spPr>
+        <p:txBody>
+          <a:bodyPr wrap="square" rtlCol="0">
+            <a:spAutoFit/>
+          </a:bodyPr>
+          <a:lstStyle/>
+          <a:p>
+            <a:r>
+              <a:rPr lang="en-CA" sz="1400" dirty="0"/>
+              <a:t>Western Sandpiper (VI: 94.2)</a:t>
+            </a:r>
+          </a:p>
+        </p:txBody>
+      </p:sp>
+      <p:sp>
+        <p:nvSpPr>
+          <p:cNvPr id="21" name="TextBox 20">
+            <a:extLst>
+              <a:ext uri="{FF2B5EF4-FFF2-40B4-BE49-F238E27FC236}">
+                <a16:creationId xmlns:a16="http://schemas.microsoft.com/office/drawing/2014/main" id="{355EA438-DE1D-753B-272B-0DC7B8E0B95B}"/>
+              </a:ext>
+            </a:extLst>
+          </p:cNvPr>
+          <p:cNvSpPr txBox="1"/>
+          <p:nvPr/>
+        </p:nvSpPr>
+        <p:spPr>
+          <a:xfrm>
+            <a:off x="2861566" y="2846135"/>
+            <a:ext cx="504000" cy="276999"/>
+          </a:xfrm>
+          <a:prstGeom prst="rect">
+            <a:avLst/>
+          </a:prstGeom>
+          <a:solidFill>
+            <a:schemeClr val="bg1"/>
+          </a:solidFill>
+        </p:spPr>
+        <p:txBody>
+          <a:bodyPr wrap="square" rtlCol="0">
+            <a:spAutoFit/>
+          </a:bodyPr>
+          <a:lstStyle/>
+          <a:p>
+            <a:r>
+              <a:rPr lang="en-CA" sz="1200" dirty="0"/>
+              <a:t>FM</a:t>
+            </a:r>
+          </a:p>
+        </p:txBody>
+      </p:sp>
+      <p:sp>
+        <p:nvSpPr>
+          <p:cNvPr id="22" name="TextBox 21">
+            <a:extLst>
+              <a:ext uri="{FF2B5EF4-FFF2-40B4-BE49-F238E27FC236}">
+                <a16:creationId xmlns:a16="http://schemas.microsoft.com/office/drawing/2014/main" id="{9CC99BF1-5C92-21B2-2D5A-1C4F4CE1D56D}"/>
+              </a:ext>
+            </a:extLst>
+          </p:cNvPr>
+          <p:cNvSpPr txBox="1"/>
+          <p:nvPr/>
+        </p:nvSpPr>
+        <p:spPr>
+          <a:xfrm>
+            <a:off x="2861566" y="6244357"/>
+            <a:ext cx="504000" cy="276999"/>
+          </a:xfrm>
+          <a:prstGeom prst="rect">
+            <a:avLst/>
+          </a:prstGeom>
+          <a:solidFill>
+            <a:schemeClr val="bg1"/>
+          </a:solidFill>
+        </p:spPr>
+        <p:txBody>
+          <a:bodyPr wrap="square" rtlCol="0">
+            <a:spAutoFit/>
+          </a:bodyPr>
+          <a:lstStyle/>
+          <a:p>
+            <a:r>
+              <a:rPr lang="en-CA" sz="1200" dirty="0"/>
+              <a:t>FM</a:t>
+            </a:r>
+          </a:p>
+        </p:txBody>
+      </p:sp>
+      <p:sp>
+        <p:nvSpPr>
+          <p:cNvPr id="23" name="TextBox 22">
+            <a:extLst>
+              <a:ext uri="{FF2B5EF4-FFF2-40B4-BE49-F238E27FC236}">
+                <a16:creationId xmlns:a16="http://schemas.microsoft.com/office/drawing/2014/main" id="{37D79ED7-13B8-5014-2077-35EC5F2ABE05}"/>
+              </a:ext>
+            </a:extLst>
+          </p:cNvPr>
+          <p:cNvSpPr txBox="1"/>
+          <p:nvPr/>
+        </p:nvSpPr>
+        <p:spPr>
+          <a:xfrm>
+            <a:off x="5923967" y="6244357"/>
+            <a:ext cx="504000" cy="276999"/>
+          </a:xfrm>
+          <a:prstGeom prst="rect">
+            <a:avLst/>
+          </a:prstGeom>
+          <a:solidFill>
+            <a:schemeClr val="bg1"/>
+          </a:solidFill>
+        </p:spPr>
+        <p:txBody>
+          <a:bodyPr wrap="square" rtlCol="0">
+            <a:spAutoFit/>
+          </a:bodyPr>
+          <a:lstStyle/>
+          <a:p>
+            <a:r>
+              <a:rPr lang="en-CA" sz="1200" dirty="0"/>
+              <a:t>FM</a:t>
+            </a:r>
+          </a:p>
+        </p:txBody>
+      </p:sp>
+      <p:sp>
+        <p:nvSpPr>
+          <p:cNvPr id="24" name="TextBox 23">
+            <a:extLst>
+              <a:ext uri="{FF2B5EF4-FFF2-40B4-BE49-F238E27FC236}">
+                <a16:creationId xmlns:a16="http://schemas.microsoft.com/office/drawing/2014/main" id="{BFBE3595-05D5-D8AE-D2F6-0F6201B1050B}"/>
+              </a:ext>
+            </a:extLst>
+          </p:cNvPr>
+          <p:cNvSpPr txBox="1"/>
+          <p:nvPr/>
+        </p:nvSpPr>
+        <p:spPr>
+          <a:xfrm>
+            <a:off x="5923967" y="2846134"/>
+            <a:ext cx="504000" cy="276999"/>
+          </a:xfrm>
+          <a:prstGeom prst="rect">
+            <a:avLst/>
+          </a:prstGeom>
+          <a:solidFill>
+            <a:schemeClr val="bg1"/>
+          </a:solidFill>
+        </p:spPr>
+        <p:txBody>
+          <a:bodyPr wrap="square" rtlCol="0">
+            <a:spAutoFit/>
+          </a:bodyPr>
+          <a:lstStyle/>
+          <a:p>
+            <a:r>
+              <a:rPr lang="en-CA" sz="1200" dirty="0"/>
+              <a:t>FM</a:t>
+            </a:r>
+          </a:p>
+        </p:txBody>
+      </p:sp>
+      <p:sp>
+        <p:nvSpPr>
+          <p:cNvPr id="25" name="TextBox 24">
+            <a:extLst>
+              <a:ext uri="{FF2B5EF4-FFF2-40B4-BE49-F238E27FC236}">
+                <a16:creationId xmlns:a16="http://schemas.microsoft.com/office/drawing/2014/main" id="{C39F2FED-9FB5-6F84-07AF-460BCBACD675}"/>
+              </a:ext>
+            </a:extLst>
+          </p:cNvPr>
+          <p:cNvSpPr txBox="1"/>
+          <p:nvPr/>
+        </p:nvSpPr>
+        <p:spPr>
+          <a:xfrm>
+            <a:off x="8986368" y="2846133"/>
+            <a:ext cx="504000" cy="276999"/>
+          </a:xfrm>
+          <a:prstGeom prst="rect">
+            <a:avLst/>
+          </a:prstGeom>
+          <a:solidFill>
+            <a:schemeClr val="bg1"/>
+          </a:solidFill>
+        </p:spPr>
+        <p:txBody>
+          <a:bodyPr wrap="square" rtlCol="0">
+            <a:spAutoFit/>
+          </a:bodyPr>
+          <a:lstStyle/>
+          <a:p>
+            <a:r>
+              <a:rPr lang="en-CA" sz="1200" dirty="0"/>
+              <a:t>FM</a:t>
+            </a:r>
+          </a:p>
+        </p:txBody>
+      </p:sp>
+      <p:sp>
+        <p:nvSpPr>
+          <p:cNvPr id="26" name="TextBox 25">
+            <a:extLst>
+              <a:ext uri="{FF2B5EF4-FFF2-40B4-BE49-F238E27FC236}">
+                <a16:creationId xmlns:a16="http://schemas.microsoft.com/office/drawing/2014/main" id="{FE31F4C3-0B63-94C1-DD1C-2EBC8645B9A8}"/>
+              </a:ext>
+            </a:extLst>
+          </p:cNvPr>
+          <p:cNvSpPr txBox="1"/>
+          <p:nvPr/>
+        </p:nvSpPr>
+        <p:spPr>
+          <a:xfrm>
+            <a:off x="8986368" y="6244355"/>
+            <a:ext cx="504000" cy="276999"/>
+          </a:xfrm>
+          <a:prstGeom prst="rect">
+            <a:avLst/>
+          </a:prstGeom>
+          <a:solidFill>
+            <a:schemeClr val="bg1"/>
+          </a:solidFill>
+        </p:spPr>
+        <p:txBody>
+          <a:bodyPr wrap="square" rtlCol="0">
+            <a:spAutoFit/>
+          </a:bodyPr>
+          <a:lstStyle/>
+          <a:p>
+            <a:r>
+              <a:rPr lang="en-CA" sz="1200" dirty="0"/>
+              <a:t>FM</a:t>
+            </a:r>
+          </a:p>
+        </p:txBody>
+      </p:sp>
+    </p:spTree>
+    <p:extLst>
+      <p:ext uri="{BB962C8B-B14F-4D97-AF65-F5344CB8AC3E}">
+        <p14:creationId xmlns:p14="http://schemas.microsoft.com/office/powerpoint/2010/main" val="2759021060"/>
+      </p:ext>
+    </p:extLst>
+  </p:cSld>
+  <p:clrMapOvr>
+    <a:masterClrMapping/>
+  </p:clrMapOvr>
+</p:sld>
+</file>
+
 <file path=ppt/theme/theme1.xml><?xml version="1.0" encoding="utf-8"?>
 <a:theme xmlns:a="http://schemas.openxmlformats.org/drawingml/2006/main" name="Office Theme">
   <a:themeElements>
